--- a/2020 12 tanggal 12- 13/Slide Misa Bahasa Sunda.pptx
+++ b/2020 12 tanggal 12- 13/Slide Misa Bahasa Sunda.pptx
@@ -2,14 +2,14 @@
 <file path=ppt/presentation.xml><?xml version="1.0" encoding="utf-8"?>
 <p:presentation xmlns:a="http://schemas.openxmlformats.org/drawingml/2006/main" xmlns:r="http://schemas.openxmlformats.org/officeDocument/2006/relationships" xmlns:p="http://schemas.openxmlformats.org/presentationml/2006/main" autoCompressPictures="0">
   <p:sldMasterIdLst>
-    <p:sldMasterId id="2147483794" r:id="rId1"/>
+    <p:sldMasterId id="2147483812" r:id="rId1"/>
   </p:sldMasterIdLst>
   <p:sldIdLst>
     <p:sldId id="256" r:id="rId2"/>
     <p:sldId id="260" r:id="rId3"/>
     <p:sldId id="361" r:id="rId4"/>
     <p:sldId id="392" r:id="rId5"/>
-    <p:sldId id="393" r:id="rId6"/>
+    <p:sldId id="395" r:id="rId6"/>
     <p:sldId id="266" r:id="rId7"/>
     <p:sldId id="267" r:id="rId8"/>
     <p:sldId id="268" r:id="rId9"/>
@@ -173,7 +173,7 @@
             <p14:sldId id="260"/>
             <p14:sldId id="361"/>
             <p14:sldId id="392"/>
-            <p14:sldId id="393"/>
+            <p14:sldId id="395"/>
           </p14:sldIdLst>
         </p14:section>
         <p14:section name="Laku Tobat" id="{BE140D94-2FB0-46F8-90B7-258ED6C8D341}">
@@ -361,7 +361,10 @@
               <a:buNone/>
               <a:defRPr cap="all">
                 <a:solidFill>
-                  <a:schemeClr val="accent1"/>
+                  <a:schemeClr val="accent1">
+                    <a:lumMod val="60000"/>
+                    <a:lumOff val="40000"/>
+                  </a:schemeClr>
                 </a:solidFill>
               </a:defRPr>
             </a:lvl1pPr>
@@ -473,7 +476,7 @@
             <a:fld id="{B61BEF0D-F0BB-DE4B-95CE-6DB70DBA9567}" type="datetimeFigureOut">
               <a:rPr lang="en-US" smtClean="0"/>
               <a:pPr/>
-              <a:t>12/12/2020</a:t>
+              <a:t>12/13/2020</a:t>
             </a:fld>
             <a:endParaRPr lang="en-US" dirty="0"/>
           </a:p>
@@ -525,7 +528,7 @@
     </p:spTree>
     <p:extLst>
       <p:ext uri="{BB962C8B-B14F-4D97-AF65-F5344CB8AC3E}">
-        <p14:creationId xmlns:p14="http://schemas.microsoft.com/office/powerpoint/2010/main" val="564001802"/>
+        <p14:creationId xmlns:p14="http://schemas.microsoft.com/office/powerpoint/2010/main" val="4092276688"/>
       </p:ext>
     </p:extLst>
   </p:cSld>
@@ -598,8 +601,8 @@
         </p:nvSpPr>
         <p:spPr>
           <a:xfrm>
-            <a:off x="1154955" y="685800"/>
-            <a:ext cx="8825658" cy="3640666"/>
+            <a:off x="1154955" y="685799"/>
+            <a:ext cx="8825658" cy="3640667"/>
           </a:xfrm>
           <a:prstGeom prst="roundRect">
             <a:avLst>
@@ -750,7 +753,7 @@
             <a:fld id="{B61BEF0D-F0BB-DE4B-95CE-6DB70DBA9567}" type="datetimeFigureOut">
               <a:rPr lang="en-US" smtClean="0"/>
               <a:pPr/>
-              <a:t>12/12/2020</a:t>
+              <a:t>12/13/2020</a:t>
             </a:fld>
             <a:endParaRPr lang="en-US" dirty="0"/>
           </a:p>
@@ -802,7 +805,7 @@
     </p:spTree>
     <p:extLst>
       <p:ext uri="{BB962C8B-B14F-4D97-AF65-F5344CB8AC3E}">
-        <p14:creationId xmlns:p14="http://schemas.microsoft.com/office/powerpoint/2010/main" val="2521232972"/>
+        <p14:creationId xmlns:p14="http://schemas.microsoft.com/office/powerpoint/2010/main" val="3668714324"/>
       </p:ext>
     </p:extLst>
   </p:cSld>
@@ -946,7 +949,7 @@
             <a:fld id="{B61BEF0D-F0BB-DE4B-95CE-6DB70DBA9567}" type="datetimeFigureOut">
               <a:rPr lang="en-US" smtClean="0"/>
               <a:pPr/>
-              <a:t>12/12/2020</a:t>
+              <a:t>12/13/2020</a:t>
             </a:fld>
             <a:endParaRPr lang="en-US" dirty="0"/>
           </a:p>
@@ -998,7 +1001,7 @@
     </p:spTree>
     <p:extLst>
       <p:ext uri="{BB962C8B-B14F-4D97-AF65-F5344CB8AC3E}">
-        <p14:creationId xmlns:p14="http://schemas.microsoft.com/office/powerpoint/2010/main" val="2889719638"/>
+        <p14:creationId xmlns:p14="http://schemas.microsoft.com/office/powerpoint/2010/main" val="3670061137"/>
       </p:ext>
     </p:extLst>
   </p:cSld>
@@ -1037,7 +1040,7 @@
         </p:nvSpPr>
         <p:spPr>
           <a:xfrm>
-            <a:off x="1574801" y="1447800"/>
+            <a:off x="1574800" y="1447800"/>
             <a:ext cx="7999315" cy="2323374"/>
           </a:xfrm>
         </p:spPr>
@@ -1070,7 +1073,7 @@
         <p:spPr>
           <a:xfrm>
             <a:off x="1930400" y="3771174"/>
-            <a:ext cx="7385828" cy="342174"/>
+            <a:ext cx="7279649" cy="342174"/>
           </a:xfrm>
         </p:spPr>
         <p:txBody>
@@ -1082,7 +1085,10 @@
               <a:buNone/>
               <a:defRPr lang="en-US" sz="1400" b="0" i="0" kern="1200" cap="small" dirty="0">
                 <a:solidFill>
-                  <a:schemeClr val="accent1"/>
+                  <a:schemeClr val="accent1">
+                    <a:lumMod val="60000"/>
+                    <a:lumOff val="40000"/>
+                  </a:schemeClr>
                 </a:solidFill>
                 <a:latin typeface="+mj-lt"/>
                 <a:ea typeface="+mj-ea"/>
@@ -1216,7 +1222,7 @@
             <a:fld id="{B61BEF0D-F0BB-DE4B-95CE-6DB70DBA9567}" type="datetimeFigureOut">
               <a:rPr lang="en-US" smtClean="0"/>
               <a:pPr/>
-              <a:t>12/12/2020</a:t>
+              <a:t>12/13/2020</a:t>
             </a:fld>
             <a:endParaRPr lang="en-US" dirty="0"/>
           </a:p>
@@ -1267,7 +1273,7 @@
       </p:sp>
       <p:sp>
         <p:nvSpPr>
-          <p:cNvPr id="11" name="TextBox 10"/>
+          <p:cNvPr id="12" name="TextBox 11"/>
           <p:cNvSpPr txBox="1"/>
           <p:nvPr/>
         </p:nvSpPr>
@@ -1285,25 +1291,21 @@
           <a:bodyPr wrap="square" rtlCol="0">
             <a:spAutoFit/>
           </a:bodyPr>
-          <a:lstStyle>
-            <a:defPPr>
-              <a:defRPr lang="en-US"/>
-            </a:defPPr>
-            <a:lvl1pPr algn="r">
-              <a:defRPr sz="12200" b="0" i="0">
-                <a:solidFill>
-                  <a:schemeClr val="accent1"/>
+          <a:lstStyle/>
+          <a:p>
+            <a:pPr algn="r"/>
+            <a:r>
+              <a:rPr lang="en-US" sz="12200" b="0" i="0" dirty="0">
+                <a:solidFill>
+                  <a:schemeClr val="accent1">
+                    <a:lumMod val="60000"/>
+                    <a:lumOff val="40000"/>
+                  </a:schemeClr>
                 </a:solidFill>
                 <a:latin typeface="Arial"/>
                 <a:ea typeface="+mj-ea"/>
                 <a:cs typeface="+mj-cs"/>
-              </a:defRPr>
-            </a:lvl1pPr>
-          </a:lstStyle>
-          <a:p>
-            <a:pPr lvl="0"/>
-            <a:r>
-              <a:rPr lang="en-US" dirty="0"/>
+              </a:rPr>
               <a:t>“</a:t>
             </a:r>
           </a:p>
@@ -1311,7 +1313,7 @@
       </p:sp>
       <p:sp>
         <p:nvSpPr>
-          <p:cNvPr id="13" name="TextBox 12"/>
+          <p:cNvPr id="11" name="TextBox 10"/>
           <p:cNvSpPr txBox="1"/>
           <p:nvPr/>
         </p:nvSpPr>
@@ -1329,25 +1331,21 @@
           <a:bodyPr wrap="square" rtlCol="0">
             <a:spAutoFit/>
           </a:bodyPr>
-          <a:lstStyle>
-            <a:defPPr>
-              <a:defRPr lang="en-US"/>
-            </a:defPPr>
-            <a:lvl1pPr algn="r">
-              <a:defRPr sz="12200" b="0" i="0">
-                <a:solidFill>
-                  <a:schemeClr val="accent1"/>
+          <a:lstStyle/>
+          <a:p>
+            <a:pPr algn="r"/>
+            <a:r>
+              <a:rPr lang="en-US" sz="12200" b="0" i="0" dirty="0">
+                <a:solidFill>
+                  <a:schemeClr val="accent1">
+                    <a:lumMod val="60000"/>
+                    <a:lumOff val="40000"/>
+                  </a:schemeClr>
                 </a:solidFill>
                 <a:latin typeface="Arial"/>
                 <a:ea typeface="+mj-ea"/>
                 <a:cs typeface="+mj-cs"/>
-              </a:defRPr>
-            </a:lvl1pPr>
-          </a:lstStyle>
-          <a:p>
-            <a:pPr lvl="0"/>
-            <a:r>
-              <a:rPr lang="en-US" dirty="0"/>
+              </a:rPr>
               <a:t>”</a:t>
             </a:r>
           </a:p>
@@ -1356,7 +1354,7 @@
     </p:spTree>
     <p:extLst>
       <p:ext uri="{BB962C8B-B14F-4D97-AF65-F5344CB8AC3E}">
-        <p14:creationId xmlns:p14="http://schemas.microsoft.com/office/powerpoint/2010/main" val="4029804986"/>
+        <p14:creationId xmlns:p14="http://schemas.microsoft.com/office/powerpoint/2010/main" val="3045758834"/>
       </p:ext>
     </p:extLst>
   </p:cSld>
@@ -1438,7 +1436,10 @@
               <a:buNone/>
               <a:defRPr sz="2000" cap="none">
                 <a:solidFill>
-                  <a:schemeClr val="accent1"/>
+                  <a:schemeClr val="accent1">
+                    <a:lumMod val="60000"/>
+                    <a:lumOff val="40000"/>
+                  </a:schemeClr>
                 </a:solidFill>
               </a:defRPr>
             </a:lvl1pPr>
@@ -1550,7 +1551,7 @@
             <a:fld id="{B61BEF0D-F0BB-DE4B-95CE-6DB70DBA9567}" type="datetimeFigureOut">
               <a:rPr lang="en-US" smtClean="0"/>
               <a:pPr/>
-              <a:t>12/12/2020</a:t>
+              <a:t>12/13/2020</a:t>
             </a:fld>
             <a:endParaRPr lang="en-US" dirty="0"/>
           </a:p>
@@ -1602,7 +1603,7 @@
     </p:spTree>
     <p:extLst>
       <p:ext uri="{BB962C8B-B14F-4D97-AF65-F5344CB8AC3E}">
-        <p14:creationId xmlns:p14="http://schemas.microsoft.com/office/powerpoint/2010/main" val="2303434289"/>
+        <p14:creationId xmlns:p14="http://schemas.microsoft.com/office/powerpoint/2010/main" val="3373046670"/>
       </p:ext>
     </p:extLst>
   </p:cSld>
@@ -1681,7 +1682,10 @@
               <a:buNone/>
               <a:defRPr sz="2400" b="0">
                 <a:solidFill>
-                  <a:schemeClr val="accent1"/>
+                  <a:schemeClr val="accent1">
+                    <a:lumMod val="60000"/>
+                    <a:lumOff val="40000"/>
+                  </a:schemeClr>
                 </a:solidFill>
               </a:defRPr>
             </a:lvl1pPr>
@@ -1819,7 +1823,10 @@
               <a:buNone/>
               <a:defRPr sz="2400" b="0">
                 <a:solidFill>
-                  <a:schemeClr val="accent1"/>
+                  <a:schemeClr val="accent1">
+                    <a:lumMod val="60000"/>
+                    <a:lumOff val="40000"/>
+                  </a:schemeClr>
                 </a:solidFill>
               </a:defRPr>
             </a:lvl1pPr>
@@ -1957,7 +1964,10 @@
               <a:buNone/>
               <a:defRPr sz="2400" b="0">
                 <a:solidFill>
-                  <a:schemeClr val="accent1"/>
+                  <a:schemeClr val="accent1">
+                    <a:lumMod val="60000"/>
+                    <a:lumOff val="40000"/>
+                  </a:schemeClr>
                 </a:solidFill>
               </a:defRPr>
             </a:lvl1pPr>
@@ -2162,7 +2172,7 @@
             <a:fld id="{B61BEF0D-F0BB-DE4B-95CE-6DB70DBA9567}" type="datetimeFigureOut">
               <a:rPr lang="en-US" smtClean="0"/>
               <a:pPr/>
-              <a:t>12/12/2020</a:t>
+              <a:t>12/13/2020</a:t>
             </a:fld>
             <a:endParaRPr lang="en-US" dirty="0"/>
           </a:p>
@@ -2214,7 +2224,7 @@
     </p:spTree>
     <p:extLst>
       <p:ext uri="{BB962C8B-B14F-4D97-AF65-F5344CB8AC3E}">
-        <p14:creationId xmlns:p14="http://schemas.microsoft.com/office/powerpoint/2010/main" val="2171500835"/>
+        <p14:creationId xmlns:p14="http://schemas.microsoft.com/office/powerpoint/2010/main" val="3887955380"/>
       </p:ext>
     </p:extLst>
   </p:cSld>
@@ -3011,7 +3021,7 @@
             <a:fld id="{B61BEF0D-F0BB-DE4B-95CE-6DB70DBA9567}" type="datetimeFigureOut">
               <a:rPr lang="en-US" smtClean="0"/>
               <a:pPr/>
-              <a:t>12/12/2020</a:t>
+              <a:t>12/13/2020</a:t>
             </a:fld>
             <a:endParaRPr lang="en-US" dirty="0"/>
           </a:p>
@@ -3063,7 +3073,7 @@
     </p:spTree>
     <p:extLst>
       <p:ext uri="{BB962C8B-B14F-4D97-AF65-F5344CB8AC3E}">
-        <p14:creationId xmlns:p14="http://schemas.microsoft.com/office/powerpoint/2010/main" val="1197966487"/>
+        <p14:creationId xmlns:p14="http://schemas.microsoft.com/office/powerpoint/2010/main" val="1091575344"/>
       </p:ext>
     </p:extLst>
   </p:cSld>
@@ -3182,7 +3192,7 @@
           <a:p>
             <a:fld id="{55C6B4A9-1611-4792-9094-5F34BCA07E0B}" type="datetimeFigureOut">
               <a:rPr lang="en-US" smtClean="0"/>
-              <a:t>12/12/2020</a:t>
+              <a:t>12/13/2020</a:t>
             </a:fld>
             <a:endParaRPr lang="en-US" dirty="0"/>
           </a:p>
@@ -3233,7 +3243,7 @@
     </p:spTree>
     <p:extLst>
       <p:ext uri="{BB962C8B-B14F-4D97-AF65-F5344CB8AC3E}">
-        <p14:creationId xmlns:p14="http://schemas.microsoft.com/office/powerpoint/2010/main" val="4242420005"/>
+        <p14:creationId xmlns:p14="http://schemas.microsoft.com/office/powerpoint/2010/main" val="4216986347"/>
       </p:ext>
     </p:extLst>
   </p:cSld>
@@ -3363,7 +3373,7 @@
             <a:fld id="{B61BEF0D-F0BB-DE4B-95CE-6DB70DBA9567}" type="datetimeFigureOut">
               <a:rPr lang="en-US" smtClean="0"/>
               <a:pPr/>
-              <a:t>12/12/2020</a:t>
+              <a:t>12/13/2020</a:t>
             </a:fld>
             <a:endParaRPr lang="en-US" dirty="0"/>
           </a:p>
@@ -3415,7 +3425,7 @@
     </p:spTree>
     <p:extLst>
       <p:ext uri="{BB962C8B-B14F-4D97-AF65-F5344CB8AC3E}">
-        <p14:creationId xmlns:p14="http://schemas.microsoft.com/office/powerpoint/2010/main" val="2303929848"/>
+        <p14:creationId xmlns:p14="http://schemas.microsoft.com/office/powerpoint/2010/main" val="2251709026"/>
       </p:ext>
     </p:extLst>
   </p:cSld>
@@ -3519,7 +3529,7 @@
       </p:sp>
       <p:sp>
         <p:nvSpPr>
-          <p:cNvPr id="7" name="Date Placeholder 6"/>
+          <p:cNvPr id="4" name="Date Placeholder 3"/>
           <p:cNvSpPr>
             <a:spLocks noGrp="1"/>
           </p:cNvSpPr>
@@ -3535,7 +3545,7 @@
             <a:fld id="{B61BEF0D-F0BB-DE4B-95CE-6DB70DBA9567}" type="datetimeFigureOut">
               <a:rPr lang="en-US" smtClean="0"/>
               <a:pPr/>
-              <a:t>12/12/2020</a:t>
+              <a:t>12/13/2020</a:t>
             </a:fld>
             <a:endParaRPr lang="en-US" dirty="0"/>
           </a:p>
@@ -3587,7 +3597,7 @@
     </p:spTree>
     <p:extLst>
       <p:ext uri="{BB962C8B-B14F-4D97-AF65-F5344CB8AC3E}">
-        <p14:creationId xmlns:p14="http://schemas.microsoft.com/office/powerpoint/2010/main" val="1299512538"/>
+        <p14:creationId xmlns:p14="http://schemas.microsoft.com/office/powerpoint/2010/main" val="904722619"/>
       </p:ext>
     </p:extLst>
   </p:cSld>
@@ -3669,7 +3679,10 @@
               <a:buNone/>
               <a:defRPr sz="2000" cap="all">
                 <a:solidFill>
-                  <a:schemeClr val="accent1"/>
+                  <a:schemeClr val="accent1">
+                    <a:lumMod val="60000"/>
+                    <a:lumOff val="40000"/>
+                  </a:schemeClr>
                 </a:solidFill>
               </a:defRPr>
             </a:lvl1pPr>
@@ -3781,7 +3794,7 @@
             <a:fld id="{B61BEF0D-F0BB-DE4B-95CE-6DB70DBA9567}" type="datetimeFigureOut">
               <a:rPr lang="en-US" smtClean="0"/>
               <a:pPr/>
-              <a:t>12/12/2020</a:t>
+              <a:t>12/13/2020</a:t>
             </a:fld>
             <a:endParaRPr lang="en-US" dirty="0"/>
           </a:p>
@@ -3833,7 +3846,7 @@
     </p:spTree>
     <p:extLst>
       <p:ext uri="{BB962C8B-B14F-4D97-AF65-F5344CB8AC3E}">
-        <p14:creationId xmlns:p14="http://schemas.microsoft.com/office/powerpoint/2010/main" val="998901095"/>
+        <p14:creationId xmlns:p14="http://schemas.microsoft.com/office/powerpoint/2010/main" val="2931988269"/>
       </p:ext>
     </p:extLst>
   </p:cSld>
@@ -4074,7 +4087,7 @@
           <a:p>
             <a:fld id="{EB712588-04B1-427B-82EE-E8DB90309F08}" type="datetimeFigureOut">
               <a:rPr lang="en-US" smtClean="0"/>
-              <a:t>12/12/2020</a:t>
+              <a:t>12/13/2020</a:t>
             </a:fld>
             <a:endParaRPr lang="en-US" dirty="0"/>
           </a:p>
@@ -4125,7 +4138,7 @@
     </p:spTree>
     <p:extLst>
       <p:ext uri="{BB962C8B-B14F-4D97-AF65-F5344CB8AC3E}">
-        <p14:creationId xmlns:p14="http://schemas.microsoft.com/office/powerpoint/2010/main" val="1433693837"/>
+        <p14:creationId xmlns:p14="http://schemas.microsoft.com/office/powerpoint/2010/main" val="1444691619"/>
       </p:ext>
     </p:extLst>
   </p:cSld>
@@ -4204,7 +4217,10 @@
               <a:buNone/>
               <a:defRPr sz="2400" b="0">
                 <a:solidFill>
-                  <a:schemeClr val="accent1"/>
+                  <a:schemeClr val="accent1">
+                    <a:lumMod val="60000"/>
+                    <a:lumOff val="40000"/>
+                  </a:schemeClr>
                 </a:solidFill>
               </a:defRPr>
             </a:lvl1pPr>
@@ -4362,7 +4378,10 @@
               <a:buNone/>
               <a:defRPr sz="2400" b="0">
                 <a:solidFill>
-                  <a:schemeClr val="accent1"/>
+                  <a:schemeClr val="accent1">
+                    <a:lumMod val="60000"/>
+                    <a:lumOff val="40000"/>
+                  </a:schemeClr>
                 </a:solidFill>
               </a:defRPr>
             </a:lvl1pPr>
@@ -4513,7 +4532,7 @@
             <a:fld id="{B61BEF0D-F0BB-DE4B-95CE-6DB70DBA9567}" type="datetimeFigureOut">
               <a:rPr lang="en-US" smtClean="0"/>
               <a:pPr/>
-              <a:t>12/12/2020</a:t>
+              <a:t>12/13/2020</a:t>
             </a:fld>
             <a:endParaRPr lang="en-US" dirty="0"/>
           </a:p>
@@ -4565,7 +4584,7 @@
     </p:spTree>
     <p:extLst>
       <p:ext uri="{BB962C8B-B14F-4D97-AF65-F5344CB8AC3E}">
-        <p14:creationId xmlns:p14="http://schemas.microsoft.com/office/powerpoint/2010/main" val="3889476840"/>
+        <p14:creationId xmlns:p14="http://schemas.microsoft.com/office/powerpoint/2010/main" val="638000644"/>
       </p:ext>
     </p:extLst>
   </p:cSld>
@@ -4633,7 +4652,7 @@
             <a:fld id="{B61BEF0D-F0BB-DE4B-95CE-6DB70DBA9567}" type="datetimeFigureOut">
               <a:rPr lang="en-US" smtClean="0"/>
               <a:pPr/>
-              <a:t>12/12/2020</a:t>
+              <a:t>12/13/2020</a:t>
             </a:fld>
             <a:endParaRPr lang="en-US" dirty="0"/>
           </a:p>
@@ -4685,7 +4704,7 @@
     </p:spTree>
     <p:extLst>
       <p:ext uri="{BB962C8B-B14F-4D97-AF65-F5344CB8AC3E}">
-        <p14:creationId xmlns:p14="http://schemas.microsoft.com/office/powerpoint/2010/main" val="2034386219"/>
+        <p14:creationId xmlns:p14="http://schemas.microsoft.com/office/powerpoint/2010/main" val="1914267830"/>
       </p:ext>
     </p:extLst>
   </p:cSld>
@@ -4730,7 +4749,7 @@
             <a:fld id="{B61BEF0D-F0BB-DE4B-95CE-6DB70DBA9567}" type="datetimeFigureOut">
               <a:rPr lang="en-US" smtClean="0"/>
               <a:pPr/>
-              <a:t>12/12/2020</a:t>
+              <a:t>12/13/2020</a:t>
             </a:fld>
             <a:endParaRPr lang="en-US" dirty="0"/>
           </a:p>
@@ -4782,7 +4801,7 @@
     </p:spTree>
     <p:extLst>
       <p:ext uri="{BB962C8B-B14F-4D97-AF65-F5344CB8AC3E}">
-        <p14:creationId xmlns:p14="http://schemas.microsoft.com/office/powerpoint/2010/main" val="2250499344"/>
+        <p14:creationId xmlns:p14="http://schemas.microsoft.com/office/powerpoint/2010/main" val="1147189915"/>
       </p:ext>
     </p:extLst>
   </p:cSld>
@@ -4822,7 +4841,7 @@
         <p:spPr>
           <a:xfrm>
             <a:off x="1154954" y="1447800"/>
-            <a:ext cx="3401064" cy="1447800"/>
+            <a:ext cx="3401063" cy="1447800"/>
           </a:xfrm>
         </p:spPr>
         <p:txBody>
@@ -4940,8 +4959,8 @@
         </p:nvSpPr>
         <p:spPr>
           <a:xfrm>
-            <a:off x="1154954" y="3129280"/>
-            <a:ext cx="3401063" cy="2895599"/>
+            <a:off x="1154955" y="3129280"/>
+            <a:ext cx="3401062" cy="2895599"/>
           </a:xfrm>
         </p:spPr>
         <p:txBody>
@@ -5010,7 +5029,7 @@
           <a:p>
             <a:fld id="{42A54C80-263E-416B-A8E0-580EDEADCBDC}" type="datetimeFigureOut">
               <a:rPr lang="en-US" smtClean="0"/>
-              <a:t>12/12/2020</a:t>
+              <a:t>12/13/2020</a:t>
             </a:fld>
             <a:endParaRPr lang="en-US" dirty="0"/>
           </a:p>
@@ -5061,7 +5080,7 @@
     </p:spTree>
     <p:extLst>
       <p:ext uri="{BB962C8B-B14F-4D97-AF65-F5344CB8AC3E}">
-        <p14:creationId xmlns:p14="http://schemas.microsoft.com/office/powerpoint/2010/main" val="76848628"/>
+        <p14:creationId xmlns:p14="http://schemas.microsoft.com/office/powerpoint/2010/main" val="750532914"/>
       </p:ext>
     </p:extLst>
   </p:cSld>
@@ -5286,7 +5305,7 @@
             <a:fld id="{B61BEF0D-F0BB-DE4B-95CE-6DB70DBA9567}" type="datetimeFigureOut">
               <a:rPr lang="en-US" smtClean="0"/>
               <a:pPr/>
-              <a:t>12/12/2020</a:t>
+              <a:t>12/13/2020</a:t>
             </a:fld>
             <a:endParaRPr lang="en-US" dirty="0"/>
           </a:p>
@@ -5338,7 +5357,7 @@
     </p:spTree>
     <p:extLst>
       <p:ext uri="{BB962C8B-B14F-4D97-AF65-F5344CB8AC3E}">
-        <p14:creationId xmlns:p14="http://schemas.microsoft.com/office/powerpoint/2010/main" val="3255233732"/>
+        <p14:creationId xmlns:p14="http://schemas.microsoft.com/office/powerpoint/2010/main" val="2655347164"/>
       </p:ext>
     </p:extLst>
   </p:cSld>
@@ -5386,13 +5405,13 @@
               </a:ext>
             </a:extLst>
           </a:blip>
-          <a:srcRect l="3613"/>
+          <a:srcRect l="3644"/>
           <a:stretch/>
         </p:blipFill>
         <p:spPr>
           <a:xfrm>
             <a:off x="0" y="2669685"/>
-            <a:ext cx="4037012" cy="4188315"/>
+            <a:ext cx="4035669" cy="4188315"/>
           </a:xfrm>
           <a:prstGeom prst="rect">
             <a:avLst/>
@@ -5445,23 +5464,17 @@
           <a:gradFill flip="none" rotWithShape="1">
             <a:gsLst>
               <a:gs pos="0">
-                <a:schemeClr val="accent1">
-                  <a:lumMod val="60000"/>
-                  <a:lumOff val="40000"/>
+                <a:schemeClr val="accent5">
                   <a:alpha val="7000"/>
                 </a:schemeClr>
               </a:gs>
               <a:gs pos="69000">
-                <a:schemeClr val="accent1">
-                  <a:lumMod val="60000"/>
-                  <a:lumOff val="40000"/>
+                <a:schemeClr val="accent5">
                   <a:alpha val="0"/>
                 </a:schemeClr>
               </a:gs>
               <a:gs pos="36000">
-                <a:schemeClr val="accent1">
-                  <a:lumMod val="60000"/>
-                  <a:lumOff val="40000"/>
+                <a:schemeClr val="accent5">
                   <a:alpha val="6000"/>
                 </a:schemeClr>
               </a:gs>
@@ -5507,13 +5520,13 @@
               </a:ext>
             </a:extLst>
           </a:blip>
-          <a:srcRect t="28713"/>
+          <a:srcRect t="28813"/>
           <a:stretch/>
         </p:blipFill>
         <p:spPr>
           <a:xfrm>
-            <a:off x="8000197" y="0"/>
-            <a:ext cx="1603387" cy="1143000"/>
+            <a:off x="7999412" y="0"/>
+            <a:ext cx="1603387" cy="1141407"/>
           </a:xfrm>
           <a:prstGeom prst="rect">
             <a:avLst/>
@@ -5536,13 +5549,13 @@
               </a:ext>
             </a:extLst>
           </a:blip>
-          <a:srcRect b="24199"/>
+          <a:srcRect b="23320"/>
           <a:stretch/>
         </p:blipFill>
         <p:spPr>
           <a:xfrm>
-            <a:off x="8609012" y="6092866"/>
-            <a:ext cx="993734" cy="765134"/>
+            <a:off x="8609012" y="6096000"/>
+            <a:ext cx="993734" cy="762000"/>
           </a:xfrm>
           <a:prstGeom prst="rect">
             <a:avLst/>
@@ -5717,7 +5730,7 @@
             <a:fld id="{B61BEF0D-F0BB-DE4B-95CE-6DB70DBA9567}" type="datetimeFigureOut">
               <a:rPr lang="en-US" smtClean="0"/>
               <a:pPr/>
-              <a:t>12/12/2020</a:t>
+              <a:t>12/13/2020</a:t>
             </a:fld>
             <a:endParaRPr lang="en-US" dirty="0"/>
           </a:p>
@@ -5771,7 +5784,7 @@
             <p:ph type="sldNum" sz="quarter" idx="4"/>
           </p:nvPr>
         </p:nvSpPr>
-        <p:spPr>
+        <p:spPr bwMode="gray">
           <a:xfrm>
             <a:off x="10352540" y="295729"/>
             <a:ext cx="838199" cy="767687"/>
@@ -5806,29 +5819,29 @@
     </p:spTree>
     <p:extLst>
       <p:ext uri="{BB962C8B-B14F-4D97-AF65-F5344CB8AC3E}">
-        <p14:creationId xmlns:p14="http://schemas.microsoft.com/office/powerpoint/2010/main" val="720107314"/>
+        <p14:creationId xmlns:p14="http://schemas.microsoft.com/office/powerpoint/2010/main" val="2444966923"/>
       </p:ext>
     </p:extLst>
   </p:cSld>
   <p:clrMap bg1="dk1" tx1="lt1" bg2="dk2" tx2="lt2" accent1="accent1" accent2="accent2" accent3="accent3" accent4="accent4" accent5="accent5" accent6="accent6" hlink="hlink" folHlink="folHlink"/>
   <p:sldLayoutIdLst>
-    <p:sldLayoutId id="2147483795" r:id="rId1"/>
-    <p:sldLayoutId id="2147483796" r:id="rId2"/>
-    <p:sldLayoutId id="2147483797" r:id="rId3"/>
-    <p:sldLayoutId id="2147483798" r:id="rId4"/>
-    <p:sldLayoutId id="2147483799" r:id="rId5"/>
-    <p:sldLayoutId id="2147483800" r:id="rId6"/>
-    <p:sldLayoutId id="2147483801" r:id="rId7"/>
-    <p:sldLayoutId id="2147483802" r:id="rId8"/>
-    <p:sldLayoutId id="2147483803" r:id="rId9"/>
-    <p:sldLayoutId id="2147483804" r:id="rId10"/>
-    <p:sldLayoutId id="2147483805" r:id="rId11"/>
-    <p:sldLayoutId id="2147483806" r:id="rId12"/>
-    <p:sldLayoutId id="2147483807" r:id="rId13"/>
-    <p:sldLayoutId id="2147483808" r:id="rId14"/>
-    <p:sldLayoutId id="2147483809" r:id="rId15"/>
-    <p:sldLayoutId id="2147483810" r:id="rId16"/>
-    <p:sldLayoutId id="2147483811" r:id="rId17"/>
+    <p:sldLayoutId id="2147483813" r:id="rId1"/>
+    <p:sldLayoutId id="2147483814" r:id="rId2"/>
+    <p:sldLayoutId id="2147483815" r:id="rId3"/>
+    <p:sldLayoutId id="2147483816" r:id="rId4"/>
+    <p:sldLayoutId id="2147483817" r:id="rId5"/>
+    <p:sldLayoutId id="2147483818" r:id="rId6"/>
+    <p:sldLayoutId id="2147483819" r:id="rId7"/>
+    <p:sldLayoutId id="2147483820" r:id="rId8"/>
+    <p:sldLayoutId id="2147483821" r:id="rId9"/>
+    <p:sldLayoutId id="2147483822" r:id="rId10"/>
+    <p:sldLayoutId id="2147483823" r:id="rId11"/>
+    <p:sldLayoutId id="2147483824" r:id="rId12"/>
+    <p:sldLayoutId id="2147483825" r:id="rId13"/>
+    <p:sldLayoutId id="2147483826" r:id="rId14"/>
+    <p:sldLayoutId id="2147483827" r:id="rId15"/>
+    <p:sldLayoutId id="2147483828" r:id="rId16"/>
+    <p:sldLayoutId id="2147483829" r:id="rId17"/>
   </p:sldLayoutIdLst>
   <p:txStyles>
     <p:titleStyle>
@@ -5912,7 +5925,10 @@
           <a:spcPts val="0"/>
         </a:spcAft>
         <a:buClr>
-          <a:schemeClr val="accent1"/>
+          <a:schemeClr val="accent1">
+            <a:lumMod val="60000"/>
+            <a:lumOff val="40000"/>
+          </a:schemeClr>
         </a:buClr>
         <a:buSzPct val="80000"/>
         <a:buFont typeface="Wingdings 3" charset="2"/>
@@ -5934,7 +5950,10 @@
           <a:spcPts val="0"/>
         </a:spcAft>
         <a:buClr>
-          <a:schemeClr val="accent1"/>
+          <a:schemeClr val="accent1">
+            <a:lumMod val="60000"/>
+            <a:lumOff val="40000"/>
+          </a:schemeClr>
         </a:buClr>
         <a:buSzPct val="80000"/>
         <a:buFont typeface="Wingdings 3" charset="2"/>
@@ -5956,7 +5975,10 @@
           <a:spcPts val="0"/>
         </a:spcAft>
         <a:buClr>
-          <a:schemeClr val="accent1"/>
+          <a:schemeClr val="accent1">
+            <a:lumMod val="60000"/>
+            <a:lumOff val="40000"/>
+          </a:schemeClr>
         </a:buClr>
         <a:buSzPct val="80000"/>
         <a:buFont typeface="Wingdings 3" charset="2"/>
@@ -5978,7 +6000,10 @@
           <a:spcPts val="0"/>
         </a:spcAft>
         <a:buClr>
-          <a:schemeClr val="accent1"/>
+          <a:schemeClr val="accent1">
+            <a:lumMod val="60000"/>
+            <a:lumOff val="40000"/>
+          </a:schemeClr>
         </a:buClr>
         <a:buSzPct val="80000"/>
         <a:buFont typeface="Wingdings 3" charset="2"/>
@@ -6000,7 +6025,10 @@
           <a:spcPts val="0"/>
         </a:spcAft>
         <a:buClr>
-          <a:schemeClr val="accent1"/>
+          <a:schemeClr val="accent1">
+            <a:lumMod val="60000"/>
+            <a:lumOff val="40000"/>
+          </a:schemeClr>
         </a:buClr>
         <a:buSzPct val="80000"/>
         <a:buFont typeface="Wingdings 3" charset="2"/>
@@ -6022,7 +6050,10 @@
           <a:spcPts val="0"/>
         </a:spcAft>
         <a:buClr>
-          <a:schemeClr val="accent1"/>
+          <a:schemeClr val="accent1">
+            <a:lumMod val="60000"/>
+            <a:lumOff val="40000"/>
+          </a:schemeClr>
         </a:buClr>
         <a:buSzPct val="80000"/>
         <a:buFont typeface="Wingdings 3" charset="2"/>
@@ -6044,7 +6075,10 @@
           <a:spcPts val="0"/>
         </a:spcAft>
         <a:buClr>
-          <a:schemeClr val="accent1"/>
+          <a:schemeClr val="accent1">
+            <a:lumMod val="60000"/>
+            <a:lumOff val="40000"/>
+          </a:schemeClr>
         </a:buClr>
         <a:buSzPct val="80000"/>
         <a:buFont typeface="Wingdings 3" charset="2"/>
@@ -6066,7 +6100,10 @@
           <a:spcPts val="0"/>
         </a:spcAft>
         <a:buClr>
-          <a:schemeClr val="accent1"/>
+          <a:schemeClr val="accent1">
+            <a:lumMod val="60000"/>
+            <a:lumOff val="40000"/>
+          </a:schemeClr>
         </a:buClr>
         <a:buSzPct val="80000"/>
         <a:buFont typeface="Wingdings 3" charset="2"/>
@@ -6088,7 +6125,10 @@
           <a:spcPts val="0"/>
         </a:spcAft>
         <a:buClr>
-          <a:schemeClr val="accent1"/>
+          <a:schemeClr val="accent1">
+            <a:lumMod val="60000"/>
+            <a:lumOff val="40000"/>
+          </a:schemeClr>
         </a:buClr>
         <a:buSzPct val="80000"/>
         <a:buFont typeface="Wingdings 3" charset="2"/>
@@ -6231,8 +6271,8 @@
         </p:nvSpPr>
         <p:spPr>
           <a:xfrm>
-            <a:off x="5703628" y="2014330"/>
-            <a:ext cx="6294781" cy="2144200"/>
+            <a:off x="5703628" y="2438400"/>
+            <a:ext cx="6294781" cy="2014330"/>
           </a:xfrm>
         </p:spPr>
         <p:txBody>
@@ -6249,7 +6289,33 @@
                 </a:solidFill>
                 <a:latin typeface="Arial Black" panose="020B0A04020102020204" pitchFamily="34" charset="0"/>
               </a:rPr>
-              <a:t>MISA </a:t>
+              <a:t>MISA MINGGU </a:t>
+            </a:r>
+            <a:r>
+              <a:rPr lang="en-ID" sz="4800" smtClean="0">
+                <a:solidFill>
+                  <a:srgbClr val="FFFF00"/>
+                </a:solidFill>
+                <a:latin typeface="Arial Black" panose="020B0A04020102020204" pitchFamily="34" charset="0"/>
+              </a:rPr>
+              <a:t/>
+            </a:r>
+            <a:br>
+              <a:rPr lang="en-ID" sz="4800" smtClean="0">
+                <a:solidFill>
+                  <a:srgbClr val="FFFF00"/>
+                </a:solidFill>
+                <a:latin typeface="Arial Black" panose="020B0A04020102020204" pitchFamily="34" charset="0"/>
+              </a:rPr>
+            </a:br>
+            <a:r>
+              <a:rPr lang="en-ID" sz="4800" smtClean="0">
+                <a:solidFill>
+                  <a:srgbClr val="FFFF00"/>
+                </a:solidFill>
+                <a:latin typeface="Arial Black" panose="020B0A04020102020204" pitchFamily="34" charset="0"/>
+              </a:rPr>
+              <a:t>ADVÈN </a:t>
             </a:r>
             <a:r>
               <a:rPr lang="en-ID" sz="4800" dirty="0" smtClean="0">
@@ -6258,24 +6324,7 @@
                 </a:solidFill>
                 <a:latin typeface="Arial Black" panose="020B0A04020102020204" pitchFamily="34" charset="0"/>
               </a:rPr>
-              <a:t>MINGGU </a:t>
-            </a:r>
-            <a:br>
-              <a:rPr lang="en-ID" sz="4800" dirty="0" smtClean="0">
-                <a:solidFill>
-                  <a:srgbClr val="FFFF00"/>
-                </a:solidFill>
-                <a:latin typeface="Arial Black" panose="020B0A04020102020204" pitchFamily="34" charset="0"/>
-              </a:rPr>
-            </a:br>
-            <a:r>
-              <a:rPr lang="en-ID" sz="4800" dirty="0" smtClean="0">
-                <a:solidFill>
-                  <a:srgbClr val="FFFF00"/>
-                </a:solidFill>
-                <a:latin typeface="Arial Black" panose="020B0A04020102020204" pitchFamily="34" charset="0"/>
-              </a:rPr>
-              <a:t>ADVEN III</a:t>
+              <a:t>III</a:t>
             </a:r>
             <a:endParaRPr lang="en-US" sz="4800" dirty="0">
               <a:solidFill>
@@ -6309,7 +6358,7 @@
           <a:lstStyle/>
           <a:p>
             <a:r>
-              <a:rPr lang="en-ID" sz="4000" dirty="0" err="1" smtClean="0">
+              <a:rPr lang="en-ID" sz="4000" b="1" dirty="0" err="1" smtClean="0">
                 <a:solidFill>
                   <a:srgbClr val="FFFF00"/>
                 </a:solidFill>
@@ -6317,23 +6366,15 @@
               <a:t>Minggu</a:t>
             </a:r>
             <a:r>
-              <a:rPr lang="en-ID" sz="4000" dirty="0" smtClean="0">
-                <a:solidFill>
-                  <a:srgbClr val="FFFF00"/>
-                </a:solidFill>
-              </a:rPr>
-              <a:t>, </a:t>
-            </a:r>
-            <a:r>
-              <a:rPr lang="en-ID" sz="4000" dirty="0" smtClean="0">
-                <a:solidFill>
-                  <a:srgbClr val="FFFF00"/>
-                </a:solidFill>
-              </a:rPr>
-              <a:t>13 </a:t>
-            </a:r>
-            <a:r>
-              <a:rPr lang="en-ID" sz="4000" dirty="0" err="1" smtClean="0">
+              <a:rPr lang="en-ID" sz="4000" b="1" dirty="0" smtClean="0">
+                <a:solidFill>
+                  <a:srgbClr val="FFFF00"/>
+                </a:solidFill>
+              </a:rPr>
+              <a:t>, 13 </a:t>
+            </a:r>
+            <a:r>
+              <a:rPr lang="en-ID" sz="4000" b="1" dirty="0" err="1" smtClean="0">
                 <a:solidFill>
                   <a:srgbClr val="FFFF00"/>
                 </a:solidFill>
@@ -6341,14 +6382,14 @@
               <a:t>Desember</a:t>
             </a:r>
             <a:r>
-              <a:rPr lang="en-ID" sz="4000" dirty="0" smtClean="0">
+              <a:rPr lang="en-ID" sz="4000" b="1" dirty="0" smtClean="0">
                 <a:solidFill>
                   <a:srgbClr val="FFFF00"/>
                 </a:solidFill>
               </a:rPr>
               <a:t> 2020</a:t>
             </a:r>
-            <a:endParaRPr lang="en-US" sz="4000" dirty="0">
+            <a:endParaRPr lang="en-US" sz="4000" b="1" dirty="0">
               <a:solidFill>
                 <a:srgbClr val="FFFF00"/>
               </a:solidFill>
@@ -6361,7 +6402,7 @@
           <p:cNvPr id="5" name="Picture 4">
             <a:extLst>
               <a:ext uri="{FF2B5EF4-FFF2-40B4-BE49-F238E27FC236}">
-                <a16:creationId xmlns="" xmlns:a16="http://schemas.microsoft.com/office/drawing/2014/main" id="{5DC82E51-4356-4594-A398-C30AF66213EF}"/>
+                <a16:creationId xmlns:a16="http://schemas.microsoft.com/office/drawing/2014/main" xmlns="" id="{5DC82E51-4356-4594-A398-C30AF66213EF}"/>
               </a:ext>
             </a:extLst>
           </p:cNvPr>
@@ -6407,8 +6448,8 @@
         </p:nvSpPr>
         <p:spPr>
           <a:xfrm>
-            <a:off x="6227177" y="1446396"/>
-            <a:ext cx="5247681" cy="368409"/>
+            <a:off x="6107907" y="1152941"/>
+            <a:ext cx="5247681" cy="1165448"/>
           </a:xfrm>
           <a:prstGeom prst="rect">
             <a:avLst/>
@@ -6416,7 +6457,7 @@
         </p:spPr>
         <p:txBody>
           <a:bodyPr vert="horz" lIns="91440" tIns="45720" rIns="91440" bIns="45720" rtlCol="0" anchor="b">
-            <a:normAutofit/>
+            <a:noAutofit/>
           </a:bodyPr>
           <a:lstStyle>
             <a:lvl1pPr algn="ctr" defTabSz="457200" rtl="0" eaLnBrk="1" latinLnBrk="0" hangingPunct="1">
@@ -6520,7 +6561,7 @@
           </a:lstStyle>
           <a:p>
             <a:r>
-              <a:rPr lang="en-ID" sz="1800" dirty="0" err="1" smtClean="0">
+              <a:rPr lang="en-ID" sz="3600" dirty="0" err="1" smtClean="0">
                 <a:solidFill>
                   <a:srgbClr val="FFFF00"/>
                 </a:solidFill>
@@ -6529,7 +6570,7 @@
               <a:t>Paroki</a:t>
             </a:r>
             <a:r>
-              <a:rPr lang="en-ID" sz="1800" dirty="0" smtClean="0">
+              <a:rPr lang="en-ID" sz="3600" dirty="0" smtClean="0">
                 <a:solidFill>
                   <a:srgbClr val="FFFF00"/>
                 </a:solidFill>
@@ -6538,7 +6579,7 @@
               <a:t> </a:t>
             </a:r>
             <a:r>
-              <a:rPr lang="en-ID" sz="1800" dirty="0" err="1" smtClean="0">
+              <a:rPr lang="en-ID" sz="3600" dirty="0" err="1" smtClean="0">
                 <a:solidFill>
                   <a:srgbClr val="FFFF00"/>
                 </a:solidFill>
@@ -6547,7 +6588,7 @@
               <a:t>Kristus</a:t>
             </a:r>
             <a:r>
-              <a:rPr lang="en-ID" sz="1800" dirty="0" smtClean="0">
+              <a:rPr lang="en-ID" sz="3600" dirty="0" smtClean="0">
                 <a:solidFill>
                   <a:srgbClr val="FFFF00"/>
                 </a:solidFill>
@@ -6555,7 +6596,7 @@
               </a:rPr>
               <a:t> RAJA CIGUGUR</a:t>
             </a:r>
-            <a:endParaRPr lang="en-US" sz="1800" dirty="0">
+            <a:endParaRPr lang="en-US" sz="3600" dirty="0">
               <a:solidFill>
                 <a:srgbClr val="FFFF00"/>
               </a:solidFill>
@@ -7674,7 +7715,7 @@
             <a:r>
               <a:rPr lang="en-ID" sz="6000" dirty="0" err="1">
                 <a:solidFill>
-                  <a:srgbClr val="FFFF00"/>
+                  <a:srgbClr val="FFC000"/>
                 </a:solidFill>
                 <a:latin typeface="Arial Black" panose="020B0A04020102020204" pitchFamily="34" charset="0"/>
               </a:rPr>
@@ -7682,7 +7723,7 @@
             </a:r>
             <a:endParaRPr lang="en-US" sz="6000" dirty="0">
               <a:solidFill>
-                <a:srgbClr val="FFFF00"/>
+                <a:srgbClr val="FFC000"/>
               </a:solidFill>
               <a:latin typeface="Arial Black" panose="020B0A04020102020204" pitchFamily="34" charset="0"/>
             </a:endParaRPr>
@@ -8349,7 +8390,7 @@
             <a:r>
               <a:rPr lang="en-ID" sz="5400" dirty="0">
                 <a:solidFill>
-                  <a:srgbClr val="FFFF00"/>
+                  <a:srgbClr val="FFC000"/>
                 </a:solidFill>
                 <a:latin typeface="Arial Black" panose="020B0A04020102020204" pitchFamily="34" charset="0"/>
               </a:rPr>
@@ -8357,7 +8398,7 @@
             </a:r>
             <a:endParaRPr lang="en-US" sz="5400" dirty="0">
               <a:solidFill>
-                <a:srgbClr val="FFFF00"/>
+                <a:srgbClr val="FFC000"/>
               </a:solidFill>
               <a:latin typeface="Arial Black" panose="020B0A04020102020204" pitchFamily="34" charset="0"/>
             </a:endParaRPr>
@@ -8376,8 +8417,8 @@
         </p:nvSpPr>
         <p:spPr>
           <a:xfrm>
-            <a:off x="294806" y="1878983"/>
-            <a:ext cx="11602388" cy="4087399"/>
+            <a:off x="294806" y="1364975"/>
+            <a:ext cx="11602388" cy="4943060"/>
           </a:xfrm>
         </p:spPr>
         <p:txBody>
@@ -8390,7 +8431,7 @@
               <a:buNone/>
             </a:pPr>
             <a:r>
-              <a:rPr lang="en-ID" sz="4800" dirty="0" err="1">
+              <a:rPr lang="en-ID" sz="5400" dirty="0" err="1">
                 <a:solidFill>
                   <a:srgbClr val="FFFF00"/>
                 </a:solidFill>
@@ -8401,7 +8442,7 @@
               <a:t>Langit</a:t>
             </a:r>
             <a:r>
-              <a:rPr lang="en-ID" sz="4800" dirty="0">
+              <a:rPr lang="en-ID" sz="5400" dirty="0">
                 <a:solidFill>
                   <a:srgbClr val="FFFF00"/>
                 </a:solidFill>
@@ -8412,7 +8453,7 @@
               <a:t> </a:t>
             </a:r>
             <a:r>
-              <a:rPr lang="en-ID" sz="4800" dirty="0" err="1">
+              <a:rPr lang="en-ID" sz="5400" dirty="0" err="1">
                 <a:solidFill>
                   <a:srgbClr val="FFFF00"/>
                 </a:solidFill>
@@ -8423,7 +8464,7 @@
               <a:t>bukakeun</a:t>
             </a:r>
             <a:r>
-              <a:rPr lang="en-ID" sz="4800" dirty="0">
+              <a:rPr lang="en-ID" sz="5400" dirty="0">
                 <a:solidFill>
                   <a:srgbClr val="FFFF00"/>
                 </a:solidFill>
@@ -8434,7 +8475,7 @@
               <a:t> </a:t>
             </a:r>
             <a:r>
-              <a:rPr lang="en-ID" sz="4800" dirty="0" err="1">
+              <a:rPr lang="en-ID" sz="5400" dirty="0" err="1">
                 <a:solidFill>
                   <a:srgbClr val="FFFF00"/>
                 </a:solidFill>
@@ -8445,7 +8486,7 @@
               <a:t>panto</a:t>
             </a:r>
             <a:r>
-              <a:rPr lang="en-ID" sz="4800" dirty="0">
+              <a:rPr lang="en-ID" sz="5400" dirty="0">
                 <a:solidFill>
                   <a:srgbClr val="FFFF00"/>
                 </a:solidFill>
@@ -8456,7 +8497,7 @@
               <a:t> </a:t>
             </a:r>
             <a:r>
-              <a:rPr lang="en-ID" sz="4800" dirty="0" err="1">
+              <a:rPr lang="en-ID" sz="5400" dirty="0" err="1">
                 <a:solidFill>
                   <a:srgbClr val="FFFF00"/>
                 </a:solidFill>
@@ -8466,7 +8507,7 @@
               </a:rPr>
               <a:t>anjeun</a:t>
             </a:r>
-            <a:endParaRPr lang="en-ID" sz="4800" dirty="0">
+            <a:endParaRPr lang="en-ID" sz="5400" dirty="0">
               <a:solidFill>
                 <a:srgbClr val="FFFF00"/>
               </a:solidFill>
@@ -8480,7 +8521,7 @@
               <a:buNone/>
             </a:pPr>
             <a:r>
-              <a:rPr lang="en-ID" sz="4800" dirty="0" err="1">
+              <a:rPr lang="en-ID" sz="5400" dirty="0" err="1">
                 <a:solidFill>
                   <a:srgbClr val="FFFF00"/>
                 </a:solidFill>
@@ -8491,7 +8532,7 @@
               <a:t>Heug</a:t>
             </a:r>
             <a:r>
-              <a:rPr lang="en-ID" sz="4800" dirty="0">
+              <a:rPr lang="en-ID" sz="5400" dirty="0">
                 <a:solidFill>
                   <a:srgbClr val="FFFF00"/>
                 </a:solidFill>
@@ -8502,7 +8543,7 @@
               <a:t> </a:t>
             </a:r>
             <a:r>
-              <a:rPr lang="en-ID" sz="4800" dirty="0" err="1">
+              <a:rPr lang="en-ID" sz="5400" dirty="0" err="1">
                 <a:solidFill>
                   <a:srgbClr val="FFFF00"/>
                 </a:solidFill>
@@ -8513,7 +8554,7 @@
               <a:t>ratakeun</a:t>
             </a:r>
             <a:r>
-              <a:rPr lang="en-ID" sz="4800" dirty="0">
+              <a:rPr lang="en-ID" sz="5400" dirty="0">
                 <a:solidFill>
                   <a:srgbClr val="FFFF00"/>
                 </a:solidFill>
@@ -8524,7 +8565,7 @@
               <a:t> </a:t>
             </a:r>
             <a:r>
-              <a:rPr lang="en-ID" sz="4800" dirty="0" err="1">
+              <a:rPr lang="en-ID" sz="5400" dirty="0" err="1">
                 <a:solidFill>
                   <a:srgbClr val="FFFF00"/>
                 </a:solidFill>
@@ -8535,7 +8576,7 @@
               <a:t>jalan</a:t>
             </a:r>
             <a:r>
-              <a:rPr lang="en-ID" sz="4800" dirty="0">
+              <a:rPr lang="en-ID" sz="5400" dirty="0">
                 <a:solidFill>
                   <a:srgbClr val="FFFF00"/>
                 </a:solidFill>
@@ -8545,40 +8586,7 @@
               </a:rPr>
               <a:t> </a:t>
             </a:r>
-            <a:r>
-              <a:rPr lang="en-ID" sz="4800" dirty="0" err="1">
-                <a:solidFill>
-                  <a:srgbClr val="FFFF00"/>
-                </a:solidFill>
-                <a:latin typeface="Arial Black" panose="020B0A04020102020204" pitchFamily="34" charset="0"/>
-                <a:ea typeface="Calibri" panose="020F0502020204030204" pitchFamily="34" charset="0"/>
-                <a:cs typeface="Times New Roman" panose="02020603050405020304" pitchFamily="18" charset="0"/>
-              </a:rPr>
-              <a:t>kanggo</a:t>
-            </a:r>
-            <a:r>
-              <a:rPr lang="en-ID" sz="4800" dirty="0">
-                <a:solidFill>
-                  <a:srgbClr val="FFFF00"/>
-                </a:solidFill>
-                <a:latin typeface="Arial Black" panose="020B0A04020102020204" pitchFamily="34" charset="0"/>
-                <a:ea typeface="Calibri" panose="020F0502020204030204" pitchFamily="34" charset="0"/>
-                <a:cs typeface="Times New Roman" panose="02020603050405020304" pitchFamily="18" charset="0"/>
-              </a:rPr>
-              <a:t> </a:t>
-            </a:r>
-            <a:r>
-              <a:rPr lang="en-ID" sz="4800" dirty="0" err="1">
-                <a:solidFill>
-                  <a:srgbClr val="FFFF00"/>
-                </a:solidFill>
-                <a:latin typeface="Arial Black" panose="020B0A04020102020204" pitchFamily="34" charset="0"/>
-                <a:ea typeface="Calibri" panose="020F0502020204030204" pitchFamily="34" charset="0"/>
-                <a:cs typeface="Times New Roman" panose="02020603050405020304" pitchFamily="18" charset="0"/>
-              </a:rPr>
-              <a:t>Gusti</a:t>
-            </a:r>
-            <a:endParaRPr lang="en-ID" sz="4800" dirty="0">
+            <a:endParaRPr lang="en-ID" sz="5400" dirty="0" smtClean="0">
               <a:solidFill>
                 <a:srgbClr val="FFFF00"/>
               </a:solidFill>
@@ -8592,7 +8600,7 @@
               <a:buNone/>
             </a:pPr>
             <a:r>
-              <a:rPr lang="en-ID" sz="4800" dirty="0">
+              <a:rPr lang="en-ID" sz="5400" dirty="0" err="1" smtClean="0">
                 <a:solidFill>
                   <a:srgbClr val="FFFF00"/>
                 </a:solidFill>
@@ -8600,10 +8608,10 @@
                 <a:ea typeface="Calibri" panose="020F0502020204030204" pitchFamily="34" charset="0"/>
                 <a:cs typeface="Times New Roman" panose="02020603050405020304" pitchFamily="18" charset="0"/>
               </a:rPr>
-              <a:t>Nu bade </a:t>
-            </a:r>
-            <a:r>
-              <a:rPr lang="en-ID" sz="4800" dirty="0" err="1">
+              <a:t>kanggo</a:t>
+            </a:r>
+            <a:r>
+              <a:rPr lang="en-ID" sz="5400" dirty="0" smtClean="0">
                 <a:solidFill>
                   <a:srgbClr val="FFFF00"/>
                 </a:solidFill>
@@ -8611,10 +8619,10 @@
                 <a:ea typeface="Calibri" panose="020F0502020204030204" pitchFamily="34" charset="0"/>
                 <a:cs typeface="Times New Roman" panose="02020603050405020304" pitchFamily="18" charset="0"/>
               </a:rPr>
-              <a:t>rawuh</a:t>
-            </a:r>
-            <a:r>
-              <a:rPr lang="en-ID" sz="4800" dirty="0">
+              <a:t> </a:t>
+            </a:r>
+            <a:r>
+              <a:rPr lang="en-ID" sz="5400" dirty="0" err="1">
                 <a:solidFill>
                   <a:srgbClr val="FFFF00"/>
                 </a:solidFill>
@@ -8622,42 +8630,9 @@
                 <a:ea typeface="Calibri" panose="020F0502020204030204" pitchFamily="34" charset="0"/>
                 <a:cs typeface="Times New Roman" panose="02020603050405020304" pitchFamily="18" charset="0"/>
               </a:rPr>
-              <a:t> </a:t>
-            </a:r>
-            <a:r>
-              <a:rPr lang="en-ID" sz="4800" dirty="0" err="1">
-                <a:solidFill>
-                  <a:srgbClr val="FFFF00"/>
-                </a:solidFill>
-                <a:latin typeface="Arial Black" panose="020B0A04020102020204" pitchFamily="34" charset="0"/>
-                <a:ea typeface="Calibri" panose="020F0502020204030204" pitchFamily="34" charset="0"/>
-                <a:cs typeface="Times New Roman" panose="02020603050405020304" pitchFamily="18" charset="0"/>
-              </a:rPr>
-              <a:t>ka</a:t>
-            </a:r>
-            <a:r>
-              <a:rPr lang="en-ID" sz="4800" dirty="0">
-                <a:solidFill>
-                  <a:srgbClr val="FFFF00"/>
-                </a:solidFill>
-                <a:latin typeface="Arial Black" panose="020B0A04020102020204" pitchFamily="34" charset="0"/>
-                <a:ea typeface="Calibri" panose="020F0502020204030204" pitchFamily="34" charset="0"/>
-                <a:cs typeface="Times New Roman" panose="02020603050405020304" pitchFamily="18" charset="0"/>
-              </a:rPr>
-              <a:t> </a:t>
-            </a:r>
-            <a:r>
-              <a:rPr lang="en-ID" sz="4800" dirty="0" err="1">
-                <a:solidFill>
-                  <a:srgbClr val="FFFF00"/>
-                </a:solidFill>
-                <a:latin typeface="Arial Black" panose="020B0A04020102020204" pitchFamily="34" charset="0"/>
-                <a:ea typeface="Calibri" panose="020F0502020204030204" pitchFamily="34" charset="0"/>
-                <a:cs typeface="Times New Roman" panose="02020603050405020304" pitchFamily="18" charset="0"/>
-              </a:rPr>
-              <a:t>dunya</a:t>
-            </a:r>
-            <a:endParaRPr lang="en-ID" sz="4800" dirty="0">
+              <a:t>Gusti</a:t>
+            </a:r>
+            <a:endParaRPr lang="en-ID" sz="5400" dirty="0">
               <a:solidFill>
                 <a:srgbClr val="FFFF00"/>
               </a:solidFill>
@@ -8671,7 +8646,7 @@
               <a:buNone/>
             </a:pPr>
             <a:r>
-              <a:rPr lang="en-ID" sz="4800" dirty="0">
+              <a:rPr lang="en-ID" sz="5400" dirty="0">
                 <a:solidFill>
                   <a:srgbClr val="FFFF00"/>
                 </a:solidFill>
@@ -8679,10 +8654,10 @@
                 <a:ea typeface="Calibri" panose="020F0502020204030204" pitchFamily="34" charset="0"/>
                 <a:cs typeface="Times New Roman" panose="02020603050405020304" pitchFamily="18" charset="0"/>
               </a:rPr>
-              <a:t>Bade </a:t>
-            </a:r>
-            <a:r>
-              <a:rPr lang="en-ID" sz="4800" dirty="0" err="1">
+              <a:t>Nu </a:t>
+            </a:r>
+            <a:r>
+              <a:rPr lang="en-ID" sz="5400" dirty="0" err="1" smtClean="0">
                 <a:solidFill>
                   <a:srgbClr val="FFFF00"/>
                 </a:solidFill>
@@ -8690,10 +8665,10 @@
                 <a:ea typeface="Calibri" panose="020F0502020204030204" pitchFamily="34" charset="0"/>
                 <a:cs typeface="Times New Roman" panose="02020603050405020304" pitchFamily="18" charset="0"/>
               </a:rPr>
-              <a:t>ngalipur</a:t>
-            </a:r>
-            <a:r>
-              <a:rPr lang="en-ID" sz="4800" dirty="0">
+              <a:t>badè</a:t>
+            </a:r>
+            <a:r>
+              <a:rPr lang="en-ID" sz="5400" dirty="0" smtClean="0">
                 <a:solidFill>
                   <a:srgbClr val="FFFF00"/>
                 </a:solidFill>
@@ -8704,7 +8679,7 @@
               <a:t> </a:t>
             </a:r>
             <a:r>
-              <a:rPr lang="en-ID" sz="4800" dirty="0" err="1">
+              <a:rPr lang="en-ID" sz="5400" dirty="0" err="1">
                 <a:solidFill>
                   <a:srgbClr val="FFFF00"/>
                 </a:solidFill>
@@ -8712,9 +8687,53 @@
                 <a:ea typeface="Calibri" panose="020F0502020204030204" pitchFamily="34" charset="0"/>
                 <a:cs typeface="Times New Roman" panose="02020603050405020304" pitchFamily="18" charset="0"/>
               </a:rPr>
-              <a:t>manusa</a:t>
-            </a:r>
-            <a:endParaRPr lang="en-ID" sz="4800" dirty="0">
+              <a:t>rawuh</a:t>
+            </a:r>
+            <a:r>
+              <a:rPr lang="en-ID" sz="5400" dirty="0">
+                <a:solidFill>
+                  <a:srgbClr val="FFFF00"/>
+                </a:solidFill>
+                <a:latin typeface="Arial Black" panose="020B0A04020102020204" pitchFamily="34" charset="0"/>
+                <a:ea typeface="Calibri" panose="020F0502020204030204" pitchFamily="34" charset="0"/>
+                <a:cs typeface="Times New Roman" panose="02020603050405020304" pitchFamily="18" charset="0"/>
+              </a:rPr>
+              <a:t> </a:t>
+            </a:r>
+            <a:r>
+              <a:rPr lang="en-ID" sz="5400" dirty="0" err="1">
+                <a:solidFill>
+                  <a:srgbClr val="FFFF00"/>
+                </a:solidFill>
+                <a:latin typeface="Arial Black" panose="020B0A04020102020204" pitchFamily="34" charset="0"/>
+                <a:ea typeface="Calibri" panose="020F0502020204030204" pitchFamily="34" charset="0"/>
+                <a:cs typeface="Times New Roman" panose="02020603050405020304" pitchFamily="18" charset="0"/>
+              </a:rPr>
+              <a:t>ka</a:t>
+            </a:r>
+            <a:r>
+              <a:rPr lang="en-ID" sz="5400" dirty="0">
+                <a:solidFill>
+                  <a:srgbClr val="FFFF00"/>
+                </a:solidFill>
+                <a:latin typeface="Arial Black" panose="020B0A04020102020204" pitchFamily="34" charset="0"/>
+                <a:ea typeface="Calibri" panose="020F0502020204030204" pitchFamily="34" charset="0"/>
+                <a:cs typeface="Times New Roman" panose="02020603050405020304" pitchFamily="18" charset="0"/>
+              </a:rPr>
+              <a:t> </a:t>
+            </a:r>
+            <a:r>
+              <a:rPr lang="en-ID" sz="5400" dirty="0" err="1">
+                <a:solidFill>
+                  <a:srgbClr val="FFFF00"/>
+                </a:solidFill>
+                <a:latin typeface="Arial Black" panose="020B0A04020102020204" pitchFamily="34" charset="0"/>
+                <a:ea typeface="Calibri" panose="020F0502020204030204" pitchFamily="34" charset="0"/>
+                <a:cs typeface="Times New Roman" panose="02020603050405020304" pitchFamily="18" charset="0"/>
+              </a:rPr>
+              <a:t>dunya</a:t>
+            </a:r>
+            <a:endParaRPr lang="en-ID" sz="5400" dirty="0">
               <a:solidFill>
                 <a:srgbClr val="FFFF00"/>
               </a:solidFill>
@@ -8727,7 +8746,75 @@
             <a:pPr marL="0" indent="0">
               <a:buNone/>
             </a:pPr>
-            <a:endParaRPr lang="en-ID" sz="4800" dirty="0">
+            <a:r>
+              <a:rPr lang="en-ID" sz="5400" dirty="0" err="1">
+                <a:solidFill>
+                  <a:srgbClr val="FFFF00"/>
+                </a:solidFill>
+                <a:latin typeface="Arial Black" panose="020B0A04020102020204" pitchFamily="34" charset="0"/>
+                <a:ea typeface="Calibri" panose="020F0502020204030204" pitchFamily="34" charset="0"/>
+                <a:cs typeface="Times New Roman" panose="02020603050405020304" pitchFamily="18" charset="0"/>
+              </a:rPr>
+              <a:t>Badè</a:t>
+            </a:r>
+            <a:r>
+              <a:rPr lang="en-ID" sz="5400" dirty="0">
+                <a:solidFill>
+                  <a:srgbClr val="FFFF00"/>
+                </a:solidFill>
+                <a:latin typeface="Arial Black" panose="020B0A04020102020204" pitchFamily="34" charset="0"/>
+                <a:ea typeface="Calibri" panose="020F0502020204030204" pitchFamily="34" charset="0"/>
+                <a:cs typeface="Times New Roman" panose="02020603050405020304" pitchFamily="18" charset="0"/>
+              </a:rPr>
+              <a:t> </a:t>
+            </a:r>
+            <a:r>
+              <a:rPr lang="en-ID" sz="5400" dirty="0" err="1">
+                <a:solidFill>
+                  <a:srgbClr val="FFFF00"/>
+                </a:solidFill>
+                <a:latin typeface="Arial Black" panose="020B0A04020102020204" pitchFamily="34" charset="0"/>
+                <a:ea typeface="Calibri" panose="020F0502020204030204" pitchFamily="34" charset="0"/>
+                <a:cs typeface="Times New Roman" panose="02020603050405020304" pitchFamily="18" charset="0"/>
+              </a:rPr>
+              <a:t>ngalipur</a:t>
+            </a:r>
+            <a:r>
+              <a:rPr lang="en-ID" sz="5400" dirty="0">
+                <a:solidFill>
+                  <a:srgbClr val="FFFF00"/>
+                </a:solidFill>
+                <a:latin typeface="Arial Black" panose="020B0A04020102020204" pitchFamily="34" charset="0"/>
+                <a:ea typeface="Calibri" panose="020F0502020204030204" pitchFamily="34" charset="0"/>
+                <a:cs typeface="Times New Roman" panose="02020603050405020304" pitchFamily="18" charset="0"/>
+              </a:rPr>
+              <a:t> </a:t>
+            </a:r>
+            <a:r>
+              <a:rPr lang="en-ID" sz="5400" dirty="0" err="1">
+                <a:solidFill>
+                  <a:srgbClr val="FFFF00"/>
+                </a:solidFill>
+                <a:latin typeface="Arial Black" panose="020B0A04020102020204" pitchFamily="34" charset="0"/>
+                <a:ea typeface="Calibri" panose="020F0502020204030204" pitchFamily="34" charset="0"/>
+                <a:cs typeface="Times New Roman" panose="02020603050405020304" pitchFamily="18" charset="0"/>
+              </a:rPr>
+              <a:t>manusa</a:t>
+            </a:r>
+            <a:endParaRPr lang="en-ID" sz="5400" dirty="0">
+              <a:solidFill>
+                <a:srgbClr val="FFFF00"/>
+              </a:solidFill>
+              <a:latin typeface="Arial Black" panose="020B0A04020102020204" pitchFamily="34" charset="0"/>
+              <a:ea typeface="Calibri" panose="020F0502020204030204" pitchFamily="34" charset="0"/>
+              <a:cs typeface="Times New Roman" panose="02020603050405020304" pitchFamily="18" charset="0"/>
+            </a:endParaRPr>
+          </a:p>
+          <a:p>
+            <a:pPr marL="0" indent="0">
+              <a:buNone/>
+            </a:pPr>
+            <a:endParaRPr lang="en-ID" sz="5400" dirty="0">
               <a:solidFill>
                 <a:srgbClr val="FFFF00"/>
               </a:solidFill>
@@ -9183,8 +9270,8 @@
         </p:nvSpPr>
         <p:spPr>
           <a:xfrm>
-            <a:off x="1234612" y="0"/>
-            <a:ext cx="9404723" cy="1400530"/>
+            <a:off x="1234612" y="304800"/>
+            <a:ext cx="9404723" cy="1095730"/>
           </a:xfrm>
         </p:spPr>
         <p:txBody>
@@ -9195,7 +9282,7 @@
             <a:r>
               <a:rPr lang="en-ID" sz="6000" dirty="0">
                 <a:solidFill>
-                  <a:srgbClr val="FFFF00"/>
+                  <a:srgbClr val="FFC000"/>
                 </a:solidFill>
                 <a:latin typeface="Arial Black" panose="020B0A04020102020204" pitchFamily="34" charset="0"/>
               </a:rPr>
@@ -9204,14 +9291,14 @@
             <a:r>
               <a:rPr lang="en-ID" sz="6000" dirty="0">
                 <a:solidFill>
-                  <a:srgbClr val="FFFF00"/>
+                  <a:srgbClr val="FFC000"/>
                 </a:solidFill>
               </a:rPr>
               <a:t> </a:t>
             </a:r>
             <a:endParaRPr lang="en-US" sz="6000" dirty="0">
               <a:solidFill>
-                <a:srgbClr val="FFFF00"/>
+                <a:srgbClr val="FFC000"/>
               </a:solidFill>
             </a:endParaRPr>
           </a:p>
@@ -9229,8 +9316,8 @@
         </p:nvSpPr>
         <p:spPr>
           <a:xfrm>
-            <a:off x="649357" y="1400529"/>
-            <a:ext cx="10827026" cy="4907505"/>
+            <a:off x="649357" y="2067338"/>
+            <a:ext cx="10827026" cy="3008245"/>
           </a:xfrm>
         </p:spPr>
         <p:txBody>
@@ -9242,28 +9329,15 @@
             <a:pPr marL="0" indent="0" algn="ctr">
               <a:buNone/>
             </a:pPr>
-            <a:endParaRPr lang="en-ID" sz="6000" dirty="0" smtClean="0">
-              <a:solidFill>
-                <a:srgbClr val="FFFF00"/>
-              </a:solidFill>
-              <a:latin typeface="Arial Black" panose="020B0A04020102020204" pitchFamily="34" charset="0"/>
-            </a:endParaRPr>
-          </a:p>
-          <a:p>
-            <a:pPr marL="0" indent="0" algn="ctr">
-              <a:buNone/>
-            </a:pPr>
-            <a:endParaRPr lang="en-ID" sz="6000" dirty="0">
-              <a:solidFill>
-                <a:srgbClr val="FFFF00"/>
-              </a:solidFill>
-              <a:latin typeface="Arial Black" panose="020B0A04020102020204" pitchFamily="34" charset="0"/>
-            </a:endParaRPr>
-          </a:p>
-          <a:p>
-            <a:pPr marL="0" indent="0" algn="ctr">
-              <a:buNone/>
-            </a:pPr>
+            <a:r>
+              <a:rPr lang="en-ID" sz="6000" dirty="0" err="1" smtClean="0">
+                <a:solidFill>
+                  <a:srgbClr val="FFFF00"/>
+                </a:solidFill>
+                <a:latin typeface="Arial Black" panose="020B0A04020102020204" pitchFamily="34" charset="0"/>
+              </a:rPr>
+              <a:t>Hatè</a:t>
+            </a:r>
             <a:r>
               <a:rPr lang="en-ID" sz="6000" dirty="0" smtClean="0">
                 <a:solidFill>
@@ -9271,7 +9345,106 @@
                 </a:solidFill>
                 <a:latin typeface="Arial Black" panose="020B0A04020102020204" pitchFamily="34" charset="0"/>
               </a:rPr>
-              <a:t>----- ? -----</a:t>
+              <a:t> </a:t>
+            </a:r>
+            <a:r>
+              <a:rPr lang="en-ID" sz="6000" dirty="0" err="1" smtClean="0">
+                <a:solidFill>
+                  <a:srgbClr val="FFFF00"/>
+                </a:solidFill>
+                <a:latin typeface="Arial Black" panose="020B0A04020102020204" pitchFamily="34" charset="0"/>
+              </a:rPr>
+              <a:t>kaula</a:t>
+            </a:r>
+            <a:r>
+              <a:rPr lang="en-ID" sz="6000" dirty="0" smtClean="0">
+                <a:solidFill>
+                  <a:srgbClr val="FFFF00"/>
+                </a:solidFill>
+                <a:latin typeface="Arial Black" panose="020B0A04020102020204" pitchFamily="34" charset="0"/>
+              </a:rPr>
+              <a:t> </a:t>
+            </a:r>
+            <a:r>
+              <a:rPr lang="en-ID" sz="6000" dirty="0" err="1" smtClean="0">
+                <a:solidFill>
+                  <a:srgbClr val="FFFF00"/>
+                </a:solidFill>
+                <a:latin typeface="Arial Black" panose="020B0A04020102020204" pitchFamily="34" charset="0"/>
+              </a:rPr>
+              <a:t>surak</a:t>
+            </a:r>
+            <a:r>
+              <a:rPr lang="en-ID" sz="6000" dirty="0" smtClean="0">
+                <a:solidFill>
+                  <a:srgbClr val="FFFF00"/>
+                </a:solidFill>
+                <a:latin typeface="Arial Black" panose="020B0A04020102020204" pitchFamily="34" charset="0"/>
+              </a:rPr>
+              <a:t> </a:t>
+            </a:r>
+            <a:r>
+              <a:rPr lang="en-ID" sz="6000" dirty="0" err="1" smtClean="0">
+                <a:solidFill>
+                  <a:srgbClr val="FFFF00"/>
+                </a:solidFill>
+                <a:latin typeface="Arial Black" panose="020B0A04020102020204" pitchFamily="34" charset="0"/>
+              </a:rPr>
+              <a:t>suka</a:t>
+            </a:r>
+            <a:r>
+              <a:rPr lang="en-ID" sz="6000" dirty="0" smtClean="0">
+                <a:solidFill>
+                  <a:srgbClr val="FFFF00"/>
+                </a:solidFill>
+                <a:latin typeface="Arial Black" panose="020B0A04020102020204" pitchFamily="34" charset="0"/>
+              </a:rPr>
+              <a:t> </a:t>
+            </a:r>
+            <a:r>
+              <a:rPr lang="en-ID" sz="6000" dirty="0" err="1" smtClean="0">
+                <a:solidFill>
+                  <a:srgbClr val="FFFF00"/>
+                </a:solidFill>
+                <a:latin typeface="Arial Black" panose="020B0A04020102020204" pitchFamily="34" charset="0"/>
+              </a:rPr>
+              <a:t>bungah</a:t>
+            </a:r>
+            <a:r>
+              <a:rPr lang="en-ID" sz="6000" dirty="0" smtClean="0">
+                <a:solidFill>
+                  <a:srgbClr val="FFFF00"/>
+                </a:solidFill>
+                <a:latin typeface="Arial Black" panose="020B0A04020102020204" pitchFamily="34" charset="0"/>
+              </a:rPr>
+              <a:t> di </a:t>
+            </a:r>
+            <a:r>
+              <a:rPr lang="en-ID" sz="6000" dirty="0" err="1" smtClean="0">
+                <a:solidFill>
+                  <a:srgbClr val="FFFF00"/>
+                </a:solidFill>
+                <a:latin typeface="Arial Black" panose="020B0A04020102020204" pitchFamily="34" charset="0"/>
+              </a:rPr>
+              <a:t>lebet</a:t>
+            </a:r>
+            <a:r>
+              <a:rPr lang="en-ID" sz="6000" dirty="0" smtClean="0">
+                <a:solidFill>
+                  <a:srgbClr val="FFFF00"/>
+                </a:solidFill>
+                <a:latin typeface="Arial Black" panose="020B0A04020102020204" pitchFamily="34" charset="0"/>
+              </a:rPr>
+              <a:t> Allah </a:t>
+            </a:r>
+            <a:r>
+              <a:rPr lang="en-ID" sz="6000" dirty="0" err="1" smtClean="0">
+                <a:solidFill>
+                  <a:srgbClr val="FFFF00"/>
+                </a:solidFill>
+                <a:latin typeface="Arial Black" panose="020B0A04020102020204" pitchFamily="34" charset="0"/>
+              </a:rPr>
+              <a:t>kaula</a:t>
             </a:r>
             <a:endParaRPr lang="en-US" sz="6000" dirty="0">
               <a:solidFill>
@@ -9343,7 +9516,7 @@
             <a:r>
               <a:rPr lang="en-ID" sz="6000" dirty="0" smtClean="0">
                 <a:solidFill>
-                  <a:srgbClr val="FFFF00"/>
+                  <a:srgbClr val="FFC000"/>
                 </a:solidFill>
                 <a:latin typeface="Arial Black" panose="020B0A04020102020204" pitchFamily="34" charset="0"/>
               </a:rPr>
@@ -9352,14 +9525,14 @@
             <a:r>
               <a:rPr lang="en-ID" sz="6000" dirty="0" smtClean="0">
                 <a:solidFill>
-                  <a:srgbClr val="FFFF00"/>
+                  <a:srgbClr val="FFC000"/>
                 </a:solidFill>
               </a:rPr>
               <a:t> </a:t>
             </a:r>
             <a:endParaRPr lang="en-US" sz="6000" dirty="0">
               <a:solidFill>
-                <a:srgbClr val="FFFF00"/>
+                <a:srgbClr val="FFC000"/>
               </a:solidFill>
             </a:endParaRPr>
           </a:p>
@@ -9406,7 +9579,7 @@
                 </a:solidFill>
                 <a:latin typeface="Arial Black" panose="020B0A04020102020204" pitchFamily="34" charset="0"/>
               </a:rPr>
-              <a:t>Pangeran</a:t>
+              <a:t>Pangèran</a:t>
             </a:r>
             <a:r>
               <a:rPr lang="en-ID" sz="6000" dirty="0" smtClean="0">
@@ -9442,25 +9615,7 @@
                 </a:solidFill>
                 <a:latin typeface="Arial Black" panose="020B0A04020102020204" pitchFamily="34" charset="0"/>
               </a:rPr>
-              <a:t>roh</a:t>
-            </a:r>
-            <a:r>
-              <a:rPr lang="en-ID" sz="6000" dirty="0" smtClean="0">
-                <a:solidFill>
-                  <a:srgbClr val="FFFF00"/>
-                </a:solidFill>
-                <a:latin typeface="Arial Black" panose="020B0A04020102020204" pitchFamily="34" charset="0"/>
-              </a:rPr>
-              <a:t> </a:t>
-            </a:r>
-            <a:r>
-              <a:rPr lang="en-ID" sz="6000" dirty="0" err="1" smtClean="0">
-                <a:solidFill>
-                  <a:srgbClr val="FFFF00"/>
-                </a:solidFill>
-                <a:latin typeface="Arial Black" panose="020B0A04020102020204" pitchFamily="34" charset="0"/>
-              </a:rPr>
-              <a:t>anjeun</a:t>
+              <a:t>aranjeun</a:t>
             </a:r>
             <a:r>
               <a:rPr lang="en-ID" sz="6000" dirty="0" smtClean="0">
@@ -9599,52 +9754,6 @@
       </p:grpSpPr>
       <p:sp>
         <p:nvSpPr>
-          <p:cNvPr id="2" name="Title 1"/>
-          <p:cNvSpPr>
-            <a:spLocks noGrp="1"/>
-          </p:cNvSpPr>
-          <p:nvPr>
-            <p:ph type="title"/>
-          </p:nvPr>
-        </p:nvSpPr>
-        <p:spPr>
-          <a:xfrm>
-            <a:off x="1261116" y="609601"/>
-            <a:ext cx="9404723" cy="1400530"/>
-          </a:xfrm>
-        </p:spPr>
-        <p:txBody>
-          <a:bodyPr/>
-          <a:lstStyle/>
-          <a:p>
-            <a:pPr algn="ctr"/>
-            <a:r>
-              <a:rPr lang="en-ID" sz="6000" dirty="0" smtClean="0">
-                <a:solidFill>
-                  <a:srgbClr val="FFFF00"/>
-                </a:solidFill>
-                <a:latin typeface="Arial Black" panose="020B0A04020102020204" pitchFamily="34" charset="0"/>
-              </a:rPr>
-              <a:t>INJIL</a:t>
-            </a:r>
-            <a:r>
-              <a:rPr lang="en-ID" sz="6000" dirty="0" smtClean="0">
-                <a:solidFill>
-                  <a:srgbClr val="FFFF00"/>
-                </a:solidFill>
-              </a:rPr>
-              <a:t> </a:t>
-            </a:r>
-            <a:endParaRPr lang="en-US" sz="6000" dirty="0">
-              <a:solidFill>
-                <a:srgbClr val="FFFF00"/>
-              </a:solidFill>
-            </a:endParaRPr>
-          </a:p>
-        </p:txBody>
-      </p:sp>
-      <p:sp>
-        <p:nvSpPr>
           <p:cNvPr id="3" name="Content Placeholder 2"/>
           <p:cNvSpPr>
             <a:spLocks noGrp="1"/>
@@ -9765,8 +9874,32 @@
                 </a:solidFill>
                 <a:latin typeface="Arial Black" panose="020B0A04020102020204" pitchFamily="34" charset="0"/>
               </a:rPr>
-              <a:t> Santo Markus.</a:t>
-            </a:r>
+              <a:t> Santo </a:t>
+            </a:r>
+            <a:r>
+              <a:rPr lang="en-ID" sz="6000" dirty="0" err="1" smtClean="0">
+                <a:solidFill>
+                  <a:srgbClr val="FFFF00"/>
+                </a:solidFill>
+                <a:latin typeface="Arial Black" panose="020B0A04020102020204" pitchFamily="34" charset="0"/>
+              </a:rPr>
+              <a:t>Yohanes</a:t>
+            </a:r>
+            <a:r>
+              <a:rPr lang="en-ID" sz="6000" dirty="0" smtClean="0">
+                <a:solidFill>
+                  <a:srgbClr val="FFFF00"/>
+                </a:solidFill>
+                <a:latin typeface="Arial Black" panose="020B0A04020102020204" pitchFamily="34" charset="0"/>
+              </a:rPr>
+              <a:t>.</a:t>
+            </a:r>
+            <a:endParaRPr lang="en-ID" sz="6000" dirty="0" smtClean="0">
+              <a:solidFill>
+                <a:srgbClr val="FFFF00"/>
+              </a:solidFill>
+              <a:latin typeface="Arial Black" panose="020B0A04020102020204" pitchFamily="34" charset="0"/>
+            </a:endParaRPr>
           </a:p>
           <a:p>
             <a:pPr marL="0" indent="0" algn="ctr">
@@ -9911,8 +10044,8 @@
         </p:nvSpPr>
         <p:spPr>
           <a:xfrm>
-            <a:off x="1420143" y="15394"/>
-            <a:ext cx="9404723" cy="1400530"/>
+            <a:off x="1420143" y="212034"/>
+            <a:ext cx="9404723" cy="1203889"/>
           </a:xfrm>
         </p:spPr>
         <p:txBody>
@@ -9925,7 +10058,7 @@
             <a:r>
               <a:rPr lang="en-ID" sz="6000" dirty="0" err="1" smtClean="0">
                 <a:solidFill>
-                  <a:srgbClr val="FFFF00"/>
+                  <a:srgbClr val="FFC000"/>
                 </a:solidFill>
                 <a:latin typeface="Arial Black" panose="020B0A04020102020204" pitchFamily="34" charset="0"/>
               </a:rPr>
@@ -9934,7 +10067,7 @@
             <a:r>
               <a:rPr lang="en-ID" sz="6000" dirty="0" smtClean="0">
                 <a:solidFill>
-                  <a:srgbClr val="FFFF00"/>
+                  <a:srgbClr val="FFC000"/>
                 </a:solidFill>
                 <a:latin typeface="Arial Black" panose="020B0A04020102020204" pitchFamily="34" charset="0"/>
               </a:rPr>
@@ -9943,7 +10076,7 @@
             <a:r>
               <a:rPr lang="en-ID" sz="6000" dirty="0">
                 <a:solidFill>
-                  <a:srgbClr val="FFFF00"/>
+                  <a:srgbClr val="FFC000"/>
                 </a:solidFill>
                 <a:latin typeface="Arial Black" panose="020B0A04020102020204" pitchFamily="34" charset="0"/>
               </a:rPr>
@@ -9952,7 +10085,7 @@
             <a:r>
               <a:rPr lang="en-ID" sz="6000" dirty="0" err="1">
                 <a:solidFill>
-                  <a:srgbClr val="FFFF00"/>
+                  <a:srgbClr val="FFC000"/>
                 </a:solidFill>
                 <a:latin typeface="Arial Black" panose="020B0A04020102020204" pitchFamily="34" charset="0"/>
               </a:rPr>
@@ -9960,7 +10093,7 @@
             </a:r>
             <a:endParaRPr lang="en-US" sz="6000" dirty="0">
               <a:solidFill>
-                <a:srgbClr val="FFFF00"/>
+                <a:srgbClr val="FFC000"/>
               </a:solidFill>
               <a:latin typeface="Arial Black" panose="020B0A04020102020204" pitchFamily="34" charset="0"/>
             </a:endParaRPr>
@@ -10133,7 +10266,25 @@
                 </a:solidFill>
                 <a:latin typeface="Arial Black" panose="020B0A04020102020204" pitchFamily="34" charset="0"/>
               </a:rPr>
-              <a:t>Gusti Pangeran urang sadaya, </a:t>
+              <a:t>Gusti </a:t>
+            </a:r>
+            <a:r>
+              <a:rPr lang="id-ID" sz="6000" dirty="0" smtClean="0">
+                <a:solidFill>
+                  <a:srgbClr val="FFFF00"/>
+                </a:solidFill>
+                <a:latin typeface="Arial Black" panose="020B0A04020102020204" pitchFamily="34" charset="0"/>
+              </a:rPr>
+              <a:t>Pangèran </a:t>
+            </a:r>
+            <a:r>
+              <a:rPr lang="id-ID" sz="6000" dirty="0">
+                <a:solidFill>
+                  <a:srgbClr val="FFFF00"/>
+                </a:solidFill>
+                <a:latin typeface="Arial Black" panose="020B0A04020102020204" pitchFamily="34" charset="0"/>
+              </a:rPr>
+              <a:t>urang sadaya, </a:t>
             </a:r>
             <a:endParaRPr lang="en-US" sz="6000" dirty="0">
               <a:solidFill>
@@ -10328,8 +10479,8 @@
         </p:nvSpPr>
         <p:spPr>
           <a:xfrm>
-            <a:off x="1545507" y="2008571"/>
-            <a:ext cx="9458793" cy="3094383"/>
+            <a:off x="675861" y="2008571"/>
+            <a:ext cx="10328440" cy="4113933"/>
           </a:xfrm>
         </p:spPr>
         <p:txBody>
@@ -10342,7 +10493,7 @@
               <a:buNone/>
             </a:pPr>
             <a:r>
-              <a:rPr lang="sv-SE" sz="4800" dirty="0" smtClean="0">
+              <a:rPr lang="sv-SE" sz="5400" dirty="0" smtClean="0">
                 <a:solidFill>
                   <a:srgbClr val="FFFF00"/>
                 </a:solidFill>
@@ -10350,10 +10501,10 @@
                 <a:ea typeface="Calibri" panose="020F0502020204030204" pitchFamily="34" charset="0"/>
                 <a:cs typeface="Times New Roman" panose="02020603050405020304" pitchFamily="18" charset="0"/>
               </a:rPr>
-              <a:t>Manga </a:t>
-            </a:r>
-            <a:r>
-              <a:rPr lang="sv-SE" sz="4800" dirty="0">
+              <a:t>Mangga </a:t>
+            </a:r>
+            <a:r>
+              <a:rPr lang="sv-SE" sz="5400" dirty="0">
                 <a:solidFill>
                   <a:srgbClr val="FFFF00"/>
                 </a:solidFill>
@@ -10361,15 +10512,10 @@
                 <a:ea typeface="Calibri" panose="020F0502020204030204" pitchFamily="34" charset="0"/>
                 <a:cs typeface="Times New Roman" panose="02020603050405020304" pitchFamily="18" charset="0"/>
               </a:rPr>
-              <a:t>lungsur Immanuel</a:t>
-            </a:r>
-          </a:p>
-          <a:p>
-            <a:pPr marL="0" indent="0">
-              <a:buNone/>
-            </a:pPr>
-            <a:r>
-              <a:rPr lang="sv-SE" sz="4800" dirty="0" smtClean="0">
+              <a:t>lungsur </a:t>
+            </a:r>
+            <a:r>
+              <a:rPr lang="sv-SE" sz="5400" dirty="0">
                 <a:solidFill>
                   <a:srgbClr val="FFFF00"/>
                 </a:solidFill>
@@ -10377,10 +10523,23 @@
                 <a:ea typeface="Calibri" panose="020F0502020204030204" pitchFamily="34" charset="0"/>
                 <a:cs typeface="Times New Roman" panose="02020603050405020304" pitchFamily="18" charset="0"/>
               </a:rPr>
-              <a:t>Lilipur </a:t>
-            </a:r>
-            <a:r>
-              <a:rPr lang="sv-SE" sz="4800" dirty="0">
+              <a:t>Èmmanuel</a:t>
+            </a:r>
+            <a:endParaRPr lang="sv-SE" sz="5400" dirty="0">
+              <a:solidFill>
+                <a:srgbClr val="FFFF00"/>
+              </a:solidFill>
+              <a:latin typeface="Arial Black" panose="020B0A04020102020204" pitchFamily="34" charset="0"/>
+              <a:ea typeface="Calibri" panose="020F0502020204030204" pitchFamily="34" charset="0"/>
+              <a:cs typeface="Times New Roman" panose="02020603050405020304" pitchFamily="18" charset="0"/>
+            </a:endParaRPr>
+          </a:p>
+          <a:p>
+            <a:pPr marL="0" indent="0">
+              <a:buNone/>
+            </a:pPr>
+            <a:r>
+              <a:rPr lang="sv-SE" sz="5400" dirty="0" smtClean="0">
                 <a:solidFill>
                   <a:srgbClr val="FFFF00"/>
                 </a:solidFill>
@@ -10388,15 +10547,10 @@
                 <a:ea typeface="Calibri" panose="020F0502020204030204" pitchFamily="34" charset="0"/>
                 <a:cs typeface="Times New Roman" panose="02020603050405020304" pitchFamily="18" charset="0"/>
               </a:rPr>
-              <a:t>umat manusa</a:t>
-            </a:r>
-          </a:p>
-          <a:p>
-            <a:pPr marL="0" indent="0">
-              <a:buNone/>
-            </a:pPr>
-            <a:r>
-              <a:rPr lang="sv-SE" sz="4800" dirty="0" smtClean="0">
+              <a:t>Lilipur </a:t>
+            </a:r>
+            <a:r>
+              <a:rPr lang="sv-SE" sz="5400" dirty="0">
                 <a:solidFill>
                   <a:srgbClr val="FFFF00"/>
                 </a:solidFill>
@@ -10404,10 +10558,15 @@
                 <a:ea typeface="Calibri" panose="020F0502020204030204" pitchFamily="34" charset="0"/>
                 <a:cs typeface="Times New Roman" panose="02020603050405020304" pitchFamily="18" charset="0"/>
               </a:rPr>
-              <a:t>Enggal </a:t>
-            </a:r>
-            <a:r>
-              <a:rPr lang="sv-SE" sz="4800" dirty="0">
+              <a:t>umat manusa</a:t>
+            </a:r>
+          </a:p>
+          <a:p>
+            <a:pPr marL="0" indent="0">
+              <a:buNone/>
+            </a:pPr>
+            <a:r>
+              <a:rPr lang="sv-SE" sz="5400" dirty="0">
                 <a:solidFill>
                   <a:srgbClr val="FFFF00"/>
                 </a:solidFill>
@@ -10415,15 +10574,10 @@
                 <a:ea typeface="Calibri" panose="020F0502020204030204" pitchFamily="34" charset="0"/>
                 <a:cs typeface="Times New Roman" panose="02020603050405020304" pitchFamily="18" charset="0"/>
               </a:rPr>
-              <a:t>lungsur, Immanuel</a:t>
-            </a:r>
-          </a:p>
-          <a:p>
-            <a:pPr marL="0" indent="0">
-              <a:buNone/>
-            </a:pPr>
-            <a:r>
-              <a:rPr lang="sv-SE" sz="4800" dirty="0" smtClean="0">
+              <a:t>È</a:t>
+            </a:r>
+            <a:r>
+              <a:rPr lang="sv-SE" sz="5400" dirty="0" smtClean="0">
                 <a:solidFill>
                   <a:srgbClr val="FFFF00"/>
                 </a:solidFill>
@@ -10431,10 +10585,10 @@
                 <a:ea typeface="Calibri" panose="020F0502020204030204" pitchFamily="34" charset="0"/>
                 <a:cs typeface="Times New Roman" panose="02020603050405020304" pitchFamily="18" charset="0"/>
               </a:rPr>
-              <a:t>Lilipur </a:t>
-            </a:r>
-            <a:r>
-              <a:rPr lang="sv-SE" sz="4800" dirty="0">
+              <a:t>nggal </a:t>
+            </a:r>
+            <a:r>
+              <a:rPr lang="sv-SE" sz="5400" dirty="0">
                 <a:solidFill>
                   <a:srgbClr val="FFFF00"/>
                 </a:solidFill>
@@ -10442,6 +10596,52 @@
                 <a:ea typeface="Calibri" panose="020F0502020204030204" pitchFamily="34" charset="0"/>
                 <a:cs typeface="Times New Roman" panose="02020603050405020304" pitchFamily="18" charset="0"/>
               </a:rPr>
+              <a:t>lungsur, </a:t>
+            </a:r>
+            <a:r>
+              <a:rPr lang="sv-SE" sz="5400" dirty="0">
+                <a:solidFill>
+                  <a:srgbClr val="FFFF00"/>
+                </a:solidFill>
+                <a:latin typeface="Arial Black" panose="020B0A04020102020204" pitchFamily="34" charset="0"/>
+                <a:ea typeface="Calibri" panose="020F0502020204030204" pitchFamily="34" charset="0"/>
+                <a:cs typeface="Times New Roman" panose="02020603050405020304" pitchFamily="18" charset="0"/>
+              </a:rPr>
+              <a:t>Èmmanuel</a:t>
+            </a:r>
+            <a:endParaRPr lang="sv-SE" sz="5400" dirty="0">
+              <a:solidFill>
+                <a:srgbClr val="FFFF00"/>
+              </a:solidFill>
+              <a:latin typeface="Arial Black" panose="020B0A04020102020204" pitchFamily="34" charset="0"/>
+              <a:ea typeface="Calibri" panose="020F0502020204030204" pitchFamily="34" charset="0"/>
+              <a:cs typeface="Times New Roman" panose="02020603050405020304" pitchFamily="18" charset="0"/>
+            </a:endParaRPr>
+          </a:p>
+          <a:p>
+            <a:pPr marL="0" indent="0">
+              <a:buNone/>
+            </a:pPr>
+            <a:r>
+              <a:rPr lang="sv-SE" sz="5400" dirty="0" smtClean="0">
+                <a:solidFill>
+                  <a:srgbClr val="FFFF00"/>
+                </a:solidFill>
+                <a:latin typeface="Arial Black" panose="020B0A04020102020204" pitchFamily="34" charset="0"/>
+                <a:ea typeface="Calibri" panose="020F0502020204030204" pitchFamily="34" charset="0"/>
+                <a:cs typeface="Times New Roman" panose="02020603050405020304" pitchFamily="18" charset="0"/>
+              </a:rPr>
+              <a:t>Lilipur </a:t>
+            </a:r>
+            <a:r>
+              <a:rPr lang="sv-SE" sz="5400" dirty="0">
+                <a:solidFill>
+                  <a:srgbClr val="FFFF00"/>
+                </a:solidFill>
+                <a:latin typeface="Arial Black" panose="020B0A04020102020204" pitchFamily="34" charset="0"/>
+                <a:ea typeface="Calibri" panose="020F0502020204030204" pitchFamily="34" charset="0"/>
+                <a:cs typeface="Times New Roman" panose="02020603050405020304" pitchFamily="18" charset="0"/>
+              </a:rPr>
               <a:t>abdi sadaya</a:t>
             </a:r>
           </a:p>
@@ -10449,7 +10649,7 @@
             <a:pPr marL="0" indent="0">
               <a:buNone/>
             </a:pPr>
-            <a:endParaRPr lang="sv-SE" sz="4800" dirty="0">
+            <a:endParaRPr lang="sv-SE" sz="5400" dirty="0">
               <a:solidFill>
                 <a:srgbClr val="FFFF00"/>
               </a:solidFill>
@@ -11154,7 +11354,43 @@
                 </a:solidFill>
                 <a:latin typeface="Arial Black" panose="020B0A04020102020204" pitchFamily="34" charset="0"/>
               </a:rPr>
-              <a:t>AnjeunNa munggah ka Sawarga, sareng linggih di tengeneun Gusti Allah Rama nu mahakawasa </a:t>
+              <a:t>AnjeunNa munggah ka Sawarga, sareng linggih di tengeneun Gusti Allah Rama nu </a:t>
+            </a:r>
+            <a:r>
+              <a:rPr lang="en-ID" sz="6000" dirty="0" smtClean="0">
+                <a:solidFill>
+                  <a:srgbClr val="FFFF00"/>
+                </a:solidFill>
+                <a:latin typeface="Arial Black" panose="020B0A04020102020204" pitchFamily="34" charset="0"/>
+              </a:rPr>
+              <a:t>M</a:t>
+            </a:r>
+            <a:r>
+              <a:rPr lang="id-ID" sz="6000" dirty="0" smtClean="0">
+                <a:solidFill>
+                  <a:srgbClr val="FFFF00"/>
+                </a:solidFill>
+                <a:latin typeface="Arial Black" panose="020B0A04020102020204" pitchFamily="34" charset="0"/>
+              </a:rPr>
+              <a:t>aha</a:t>
+            </a:r>
+            <a:r>
+              <a:rPr lang="en-ID" sz="6000" smtClean="0">
+                <a:solidFill>
+                  <a:srgbClr val="FFFF00"/>
+                </a:solidFill>
+                <a:latin typeface="Arial Black" panose="020B0A04020102020204" pitchFamily="34" charset="0"/>
+              </a:rPr>
+              <a:t> K</a:t>
+            </a:r>
+            <a:r>
+              <a:rPr lang="id-ID" sz="6000" smtClean="0">
+                <a:solidFill>
+                  <a:srgbClr val="FFFF00"/>
+                </a:solidFill>
+                <a:latin typeface="Arial Black" panose="020B0A04020102020204" pitchFamily="34" charset="0"/>
+              </a:rPr>
+              <a:t>awasa </a:t>
             </a:r>
             <a:endParaRPr lang="en-US" sz="6000" dirty="0">
               <a:solidFill>
@@ -11618,8 +11854,8 @@
         </p:nvSpPr>
         <p:spPr>
           <a:xfrm>
-            <a:off x="1599047" y="221343"/>
-            <a:ext cx="9404723" cy="1400530"/>
+            <a:off x="1599048" y="221343"/>
+            <a:ext cx="8817162" cy="1400530"/>
           </a:xfrm>
         </p:spPr>
         <p:txBody>
@@ -11632,7 +11868,7 @@
             <a:r>
               <a:rPr lang="en-ID" sz="6000" dirty="0" err="1">
                 <a:solidFill>
-                  <a:srgbClr val="FFFF00"/>
+                  <a:srgbClr val="FFC000"/>
                 </a:solidFill>
                 <a:latin typeface="Arial Black" panose="020B0A04020102020204" pitchFamily="34" charset="0"/>
               </a:rPr>
@@ -11641,7 +11877,7 @@
             <a:r>
               <a:rPr lang="en-ID" sz="6000" dirty="0">
                 <a:solidFill>
-                  <a:srgbClr val="FFFF00"/>
+                  <a:srgbClr val="FFC000"/>
                 </a:solidFill>
                 <a:latin typeface="Arial Black" panose="020B0A04020102020204" pitchFamily="34" charset="0"/>
               </a:rPr>
@@ -11650,7 +11886,7 @@
             <a:r>
               <a:rPr lang="en-ID" sz="6000" dirty="0" err="1">
                 <a:solidFill>
-                  <a:srgbClr val="FFFF00"/>
+                  <a:srgbClr val="FFC000"/>
                 </a:solidFill>
                 <a:latin typeface="Arial Black" panose="020B0A04020102020204" pitchFamily="34" charset="0"/>
               </a:rPr>
@@ -11658,7 +11894,7 @@
             </a:r>
             <a:endParaRPr lang="en-US" sz="6000" dirty="0">
               <a:solidFill>
-                <a:srgbClr val="FFFF00"/>
+                <a:srgbClr val="FFC000"/>
               </a:solidFill>
               <a:latin typeface="Arial Black" panose="020B0A04020102020204" pitchFamily="34" charset="0"/>
             </a:endParaRPr>
@@ -11687,8 +11923,11 @@
           </a:bodyPr>
           <a:lstStyle/>
           <a:p>
-            <a:pPr marL="0" indent="0" algn="ctr">
-              <a:buNone/>
+            <a:pPr marL="1431925" indent="-1431925">
+              <a:buNone/>
+              <a:tabLst>
+                <a:tab pos="808038" algn="l"/>
+              </a:tabLst>
             </a:pPr>
             <a:r>
               <a:rPr lang="en-ID" sz="6000" b="1" dirty="0" smtClean="0">
@@ -11832,8 +12071,8 @@
         </p:nvSpPr>
         <p:spPr>
           <a:xfrm>
-            <a:off x="324679" y="715618"/>
-            <a:ext cx="11542642" cy="5333112"/>
+            <a:off x="324679" y="715617"/>
+            <a:ext cx="11542642" cy="5579165"/>
           </a:xfrm>
         </p:spPr>
         <p:txBody>
@@ -11842,8 +12081,11 @@
           </a:bodyPr>
           <a:lstStyle/>
           <a:p>
-            <a:pPr marL="0" indent="0" algn="ctr">
-              <a:buNone/>
+            <a:pPr marL="1431925" indent="-1431925">
+              <a:buNone/>
+              <a:tabLst>
+                <a:tab pos="901700" algn="l"/>
+              </a:tabLst>
             </a:pPr>
             <a:r>
               <a:rPr lang="en-ID" sz="6000" b="1" dirty="0" smtClean="0">
@@ -11870,7 +12112,25 @@
                 </a:solidFill>
                 <a:latin typeface="Arial Black" panose="020B0A04020102020204" pitchFamily="34" charset="0"/>
               </a:rPr>
-              <a:t>Gusti Pangeran nampi kurban dina panangan </a:t>
+              <a:t>Gusti </a:t>
+            </a:r>
+            <a:r>
+              <a:rPr lang="id-ID" sz="6000" b="1" dirty="0" smtClean="0">
+                <a:solidFill>
+                  <a:srgbClr val="FFFF00"/>
+                </a:solidFill>
+                <a:latin typeface="Arial Black" panose="020B0A04020102020204" pitchFamily="34" charset="0"/>
+              </a:rPr>
+              <a:t>Pangèran </a:t>
+            </a:r>
+            <a:r>
+              <a:rPr lang="id-ID" sz="6000" b="1" dirty="0">
+                <a:solidFill>
+                  <a:srgbClr val="FFFF00"/>
+                </a:solidFill>
+                <a:latin typeface="Arial Black" panose="020B0A04020102020204" pitchFamily="34" charset="0"/>
+              </a:rPr>
+              <a:t>nampi kurban dina panangan </a:t>
             </a:r>
             <a:r>
               <a:rPr lang="en-ID" sz="6000" b="1" dirty="0">
@@ -12014,8 +12274,8 @@
         </p:nvSpPr>
         <p:spPr>
           <a:xfrm>
-            <a:off x="503583" y="2020197"/>
-            <a:ext cx="11184834" cy="2817606"/>
+            <a:off x="1391477" y="2020197"/>
+            <a:ext cx="10296939" cy="2817606"/>
           </a:xfrm>
         </p:spPr>
         <p:txBody>
@@ -12024,7 +12284,7 @@
           </a:bodyPr>
           <a:lstStyle/>
           <a:p>
-            <a:pPr marL="0" indent="0" algn="ctr">
+            <a:pPr marL="0" indent="0">
               <a:buNone/>
             </a:pPr>
             <a:r>
@@ -12097,36 +12357,37 @@
         </p:nvSpPr>
         <p:spPr>
           <a:xfrm>
-            <a:off x="1141413" y="66260"/>
-            <a:ext cx="9905998" cy="1905000"/>
+            <a:off x="1099930" y="66260"/>
+            <a:ext cx="9947481" cy="1905000"/>
           </a:xfrm>
         </p:spPr>
         <p:txBody>
           <a:bodyPr/>
           <a:lstStyle/>
           <a:p>
+            <a:pPr algn="ctr"/>
+            <a:r>
+              <a:rPr lang="en-ID" sz="6000" dirty="0" err="1" smtClean="0">
+                <a:solidFill>
+                  <a:srgbClr val="FFC000"/>
+                </a:solidFill>
+                <a:latin typeface="Arial Black" panose="020B0A04020102020204" pitchFamily="34" charset="0"/>
+              </a:rPr>
+              <a:t>Pangjajap</a:t>
+            </a:r>
+            <a:r>
+              <a:rPr lang="en-ID" sz="6000" dirty="0" smtClean="0">
+                <a:solidFill>
+                  <a:srgbClr val="FFC000"/>
+                </a:solidFill>
+                <a:latin typeface="Arial Black" panose="020B0A04020102020204" pitchFamily="34" charset="0"/>
+              </a:rPr>
+              <a:t> </a:t>
+            </a:r>
             <a:r>
               <a:rPr lang="en-ID" sz="6000" dirty="0" err="1">
                 <a:solidFill>
-                  <a:srgbClr val="FFFF00"/>
-                </a:solidFill>
-                <a:latin typeface="Arial Black" panose="020B0A04020102020204" pitchFamily="34" charset="0"/>
-              </a:rPr>
-              <a:t>Pangajajap</a:t>
-            </a:r>
-            <a:r>
-              <a:rPr lang="en-ID" sz="6000" dirty="0">
-                <a:solidFill>
-                  <a:srgbClr val="FFFF00"/>
-                </a:solidFill>
-                <a:latin typeface="Arial Black" panose="020B0A04020102020204" pitchFamily="34" charset="0"/>
-              </a:rPr>
-              <a:t> </a:t>
-            </a:r>
-            <a:r>
-              <a:rPr lang="en-ID" sz="6000" dirty="0" err="1">
-                <a:solidFill>
-                  <a:srgbClr val="FFFF00"/>
+                  <a:srgbClr val="FFC000"/>
                 </a:solidFill>
                 <a:latin typeface="Arial Black" panose="020B0A04020102020204" pitchFamily="34" charset="0"/>
               </a:rPr>
@@ -12134,7 +12395,7 @@
             </a:r>
             <a:endParaRPr lang="en-US" sz="6000" dirty="0">
               <a:solidFill>
-                <a:srgbClr val="FFFF00"/>
+                <a:srgbClr val="FFC000"/>
               </a:solidFill>
               <a:latin typeface="Arial Black" panose="020B0A04020102020204" pitchFamily="34" charset="0"/>
             </a:endParaRPr>
@@ -12163,8 +12424,11 @@
           </a:bodyPr>
           <a:lstStyle/>
           <a:p>
-            <a:pPr marL="0" indent="0">
-              <a:buNone/>
+            <a:pPr marL="1338263" indent="-1338263">
+              <a:buNone/>
+              <a:tabLst>
+                <a:tab pos="901700" algn="l"/>
+              </a:tabLst>
             </a:pPr>
             <a:r>
               <a:rPr lang="id-ID" sz="6000" b="1" dirty="0">
@@ -12176,13 +12440,22 @@
               <a:t>I </a:t>
             </a:r>
             <a:r>
-              <a:rPr lang="en-ID" sz="6000" b="1" dirty="0">
-                <a:solidFill>
-                  <a:srgbClr val="FFFF00"/>
-                </a:solidFill>
-                <a:latin typeface="Arial Black" panose="020B0A04020102020204" pitchFamily="34" charset="0"/>
-              </a:rPr>
-              <a:t>: </a:t>
+              <a:rPr lang="en-ID" sz="6000" b="1" dirty="0" smtClean="0">
+                <a:solidFill>
+                  <a:srgbClr val="FFFF00"/>
+                </a:solidFill>
+                <a:latin typeface="Arial Black" panose="020B0A04020102020204" pitchFamily="34" charset="0"/>
+              </a:rPr>
+              <a:t>	: </a:t>
+            </a:r>
+            <a:r>
+              <a:rPr lang="id-ID" sz="6000" b="1" dirty="0" smtClean="0">
+                <a:solidFill>
+                  <a:srgbClr val="FFFF00"/>
+                </a:solidFill>
+                <a:latin typeface="Arial Black" panose="020B0A04020102020204" pitchFamily="34" charset="0"/>
+              </a:rPr>
+              <a:t>Pangèran </a:t>
             </a:r>
             <a:r>
               <a:rPr lang="id-ID" sz="6000" b="1" dirty="0">
@@ -12191,7 +12464,7 @@
                 </a:solidFill>
                 <a:latin typeface="Arial Black" panose="020B0A04020102020204" pitchFamily="34" charset="0"/>
               </a:rPr>
-              <a:t>Pangeran nyarengan aranjeun. </a:t>
+              <a:t>nyarengan aranjeun. </a:t>
             </a:r>
             <a:endParaRPr lang="en-US" sz="6000" b="1" dirty="0">
               <a:solidFill>
@@ -12201,8 +12474,11 @@
             </a:endParaRPr>
           </a:p>
           <a:p>
-            <a:pPr marL="0" indent="0">
-              <a:buNone/>
+            <a:pPr marL="1338263" indent="-1338263">
+              <a:buNone/>
+              <a:tabLst>
+                <a:tab pos="901700" algn="l"/>
+              </a:tabLst>
             </a:pPr>
             <a:r>
               <a:rPr lang="id-ID" sz="6000" dirty="0">
@@ -12292,8 +12568,8 @@
         </p:nvSpPr>
         <p:spPr>
           <a:xfrm>
-            <a:off x="294806" y="1878983"/>
-            <a:ext cx="11602388" cy="4087399"/>
+            <a:off x="294806" y="1258957"/>
+            <a:ext cx="11602388" cy="4707425"/>
           </a:xfrm>
         </p:spPr>
         <p:txBody>
@@ -12306,7 +12582,7 @@
               <a:buNone/>
             </a:pPr>
             <a:r>
-              <a:rPr lang="en-ID" sz="4800" dirty="0" err="1">
+              <a:rPr lang="en-ID" sz="5400" dirty="0" err="1">
                 <a:solidFill>
                   <a:srgbClr val="FFFF00"/>
                 </a:solidFill>
@@ -12317,7 +12593,7 @@
               <a:t>Mugi</a:t>
             </a:r>
             <a:r>
-              <a:rPr lang="en-ID" sz="4800" dirty="0">
+              <a:rPr lang="en-ID" sz="5400" dirty="0">
                 <a:solidFill>
                   <a:srgbClr val="FFFF00"/>
                 </a:solidFill>
@@ -12328,7 +12604,7 @@
               <a:t> </a:t>
             </a:r>
             <a:r>
-              <a:rPr lang="en-ID" sz="4800" dirty="0" err="1">
+              <a:rPr lang="en-ID" sz="5400" dirty="0" err="1">
                 <a:solidFill>
                   <a:srgbClr val="FFFF00"/>
                 </a:solidFill>
@@ -12339,7 +12615,7 @@
               <a:t>kadangu</a:t>
             </a:r>
             <a:r>
-              <a:rPr lang="en-ID" sz="4800" dirty="0">
+              <a:rPr lang="en-ID" sz="5400" dirty="0">
                 <a:solidFill>
                   <a:srgbClr val="FFFF00"/>
                 </a:solidFill>
@@ -12350,7 +12626,7 @@
               <a:t> </a:t>
             </a:r>
             <a:r>
-              <a:rPr lang="en-ID" sz="4800" dirty="0" err="1">
+              <a:rPr lang="en-ID" sz="5400" dirty="0" err="1">
                 <a:solidFill>
                   <a:srgbClr val="FFFF00"/>
                 </a:solidFill>
@@ -12360,7 +12636,7 @@
               </a:rPr>
               <a:t>jumeritna</a:t>
             </a:r>
-            <a:endParaRPr lang="en-ID" sz="4800" dirty="0">
+            <a:endParaRPr lang="en-ID" sz="5400" dirty="0">
               <a:solidFill>
                 <a:srgbClr val="FFFF00"/>
               </a:solidFill>
@@ -12374,7 +12650,7 @@
               <a:buNone/>
             </a:pPr>
             <a:r>
-              <a:rPr lang="en-ID" sz="4800" dirty="0" err="1">
+              <a:rPr lang="en-ID" sz="5400" dirty="0" err="1">
                 <a:solidFill>
                   <a:srgbClr val="FFFF00"/>
                 </a:solidFill>
@@ -12385,7 +12661,7 @@
               <a:t>Umat</a:t>
             </a:r>
             <a:r>
-              <a:rPr lang="en-ID" sz="4800" dirty="0">
+              <a:rPr lang="en-ID" sz="5400" dirty="0">
                 <a:solidFill>
                   <a:srgbClr val="FFFF00"/>
                 </a:solidFill>
@@ -12396,7 +12672,7 @@
               <a:t> </a:t>
             </a:r>
             <a:r>
-              <a:rPr lang="en-ID" sz="4800" dirty="0" err="1">
+              <a:rPr lang="en-ID" sz="5400" dirty="0" err="1">
                 <a:solidFill>
                   <a:srgbClr val="FFFF00"/>
                 </a:solidFill>
@@ -12407,7 +12683,7 @@
               <a:t>manusa</a:t>
             </a:r>
             <a:r>
-              <a:rPr lang="en-ID" sz="4800" dirty="0">
+              <a:rPr lang="en-ID" sz="5400" dirty="0">
                 <a:solidFill>
                   <a:srgbClr val="FFFF00"/>
                 </a:solidFill>
@@ -12418,7 +12694,7 @@
               <a:t> nu </a:t>
             </a:r>
             <a:r>
-              <a:rPr lang="en-ID" sz="4800" dirty="0" err="1">
+              <a:rPr lang="en-ID" sz="5400" dirty="0" err="1">
                 <a:solidFill>
                   <a:srgbClr val="FFFF00"/>
                 </a:solidFill>
@@ -12428,7 +12704,7 @@
               </a:rPr>
               <a:t>sasambat</a:t>
             </a:r>
-            <a:endParaRPr lang="en-ID" sz="4800" dirty="0">
+            <a:endParaRPr lang="en-ID" sz="5400" dirty="0">
               <a:solidFill>
                 <a:srgbClr val="FFFF00"/>
               </a:solidFill>
@@ -12442,7 +12718,7 @@
               <a:buNone/>
             </a:pPr>
             <a:r>
-              <a:rPr lang="en-ID" sz="4800" dirty="0" err="1">
+              <a:rPr lang="en-ID" sz="5400" dirty="0" err="1">
                 <a:solidFill>
                   <a:srgbClr val="FFFF00"/>
                 </a:solidFill>
@@ -12453,7 +12729,7 @@
               <a:t>Teu</a:t>
             </a:r>
             <a:r>
-              <a:rPr lang="en-ID" sz="4800" dirty="0">
+              <a:rPr lang="en-ID" sz="5400" dirty="0">
                 <a:solidFill>
                   <a:srgbClr val="FFFF00"/>
                 </a:solidFill>
@@ -12464,7 +12740,7 @@
               <a:t> </a:t>
             </a:r>
             <a:r>
-              <a:rPr lang="en-ID" sz="4800" dirty="0" err="1">
+              <a:rPr lang="en-ID" sz="5400" dirty="0" err="1">
                 <a:solidFill>
                   <a:srgbClr val="FFFF00"/>
                 </a:solidFill>
@@ -12475,7 +12751,7 @@
               <a:t>sabar</a:t>
             </a:r>
             <a:r>
-              <a:rPr lang="en-ID" sz="4800" dirty="0">
+              <a:rPr lang="en-ID" sz="5400" dirty="0">
                 <a:solidFill>
                   <a:srgbClr val="FFFF00"/>
                 </a:solidFill>
@@ -12486,7 +12762,7 @@
               <a:t> </a:t>
             </a:r>
             <a:r>
-              <a:rPr lang="en-ID" sz="4800" dirty="0" err="1">
+              <a:rPr lang="en-ID" sz="5400" dirty="0" err="1">
                 <a:solidFill>
                   <a:srgbClr val="FFFF00"/>
                 </a:solidFill>
@@ -12497,7 +12773,7 @@
               <a:t>ngantosan</a:t>
             </a:r>
             <a:r>
-              <a:rPr lang="en-ID" sz="4800" dirty="0">
+              <a:rPr lang="en-ID" sz="5400" dirty="0">
                 <a:solidFill>
                   <a:srgbClr val="FFFF00"/>
                 </a:solidFill>
@@ -12508,7 +12784,7 @@
               <a:t> </a:t>
             </a:r>
             <a:r>
-              <a:rPr lang="en-ID" sz="4800" dirty="0" err="1">
+              <a:rPr lang="en-ID" sz="5400" dirty="0" err="1">
                 <a:solidFill>
                   <a:srgbClr val="FFFF00"/>
                 </a:solidFill>
@@ -12518,7 +12794,7 @@
               </a:rPr>
               <a:t>Gusti</a:t>
             </a:r>
-            <a:endParaRPr lang="en-ID" sz="4800" dirty="0">
+            <a:endParaRPr lang="en-ID" sz="5400" dirty="0">
               <a:solidFill>
                 <a:srgbClr val="FFFF00"/>
               </a:solidFill>
@@ -12532,7 +12808,7 @@
               <a:buNone/>
             </a:pPr>
             <a:r>
-              <a:rPr lang="en-ID" sz="4800" dirty="0" err="1">
+              <a:rPr lang="en-ID" sz="5400" dirty="0" err="1">
                 <a:solidFill>
                   <a:srgbClr val="FFFF00"/>
                 </a:solidFill>
@@ -12543,7 +12819,7 @@
               <a:t>Nyuhunkeun</a:t>
             </a:r>
             <a:r>
-              <a:rPr lang="en-ID" sz="4800" dirty="0">
+              <a:rPr lang="en-ID" sz="5400" dirty="0">
                 <a:solidFill>
                   <a:srgbClr val="FFFF00"/>
                 </a:solidFill>
@@ -12554,7 +12830,7 @@
               <a:t> </a:t>
             </a:r>
             <a:r>
-              <a:rPr lang="en-ID" sz="4800" dirty="0" err="1">
+              <a:rPr lang="en-ID" sz="5400" dirty="0" err="1">
                 <a:solidFill>
                   <a:srgbClr val="FFFF00"/>
                 </a:solidFill>
@@ -12562,10 +12838,10 @@
                 <a:ea typeface="Calibri" panose="020F0502020204030204" pitchFamily="34" charset="0"/>
                 <a:cs typeface="Times New Roman" panose="02020603050405020304" pitchFamily="18" charset="0"/>
               </a:rPr>
-              <a:t>enggal</a:t>
-            </a:r>
-            <a:r>
-              <a:rPr lang="en-ID" sz="4800" dirty="0">
+              <a:t>ènggal</a:t>
+            </a:r>
+            <a:r>
+              <a:rPr lang="en-ID" sz="5400" dirty="0">
                 <a:solidFill>
                   <a:srgbClr val="FFFF00"/>
                 </a:solidFill>
@@ -12576,7 +12852,7 @@
               <a:t> </a:t>
             </a:r>
             <a:r>
-              <a:rPr lang="en-ID" sz="4800" dirty="0" err="1">
+              <a:rPr lang="en-ID" sz="5400" dirty="0" err="1">
                 <a:solidFill>
                   <a:srgbClr val="FFFF00"/>
                 </a:solidFill>
@@ -12586,7 +12862,7 @@
               </a:rPr>
               <a:t>dirahmat</a:t>
             </a:r>
-            <a:endParaRPr lang="en-ID" sz="4800" dirty="0">
+            <a:endParaRPr lang="en-ID" sz="5400" dirty="0">
               <a:solidFill>
                 <a:srgbClr val="FFFF00"/>
               </a:solidFill>
@@ -12599,7 +12875,7 @@
             <a:pPr marL="0" indent="0">
               <a:buNone/>
             </a:pPr>
-            <a:endParaRPr lang="en-ID" sz="4800" dirty="0">
+            <a:endParaRPr lang="en-ID" sz="5400" dirty="0">
               <a:solidFill>
                 <a:srgbClr val="FFFF00"/>
               </a:solidFill>
@@ -12653,62 +12929,6 @@
       </p:grpSpPr>
       <p:sp>
         <p:nvSpPr>
-          <p:cNvPr id="2" name="Title 1"/>
-          <p:cNvSpPr>
-            <a:spLocks noGrp="1"/>
-          </p:cNvSpPr>
-          <p:nvPr>
-            <p:ph type="title"/>
-          </p:nvPr>
-        </p:nvSpPr>
-        <p:spPr>
-          <a:xfrm>
-            <a:off x="1141413" y="291549"/>
-            <a:ext cx="9905998" cy="1905000"/>
-          </a:xfrm>
-        </p:spPr>
-        <p:txBody>
-          <a:bodyPr/>
-          <a:lstStyle/>
-          <a:p>
-            <a:r>
-              <a:rPr lang="en-ID" sz="6000" dirty="0" err="1">
-                <a:solidFill>
-                  <a:srgbClr val="FFFF00"/>
-                </a:solidFill>
-                <a:latin typeface="Arial Black" panose="020B0A04020102020204" pitchFamily="34" charset="0"/>
-              </a:rPr>
-              <a:t>Pangajajap</a:t>
-            </a:r>
-            <a:r>
-              <a:rPr lang="en-ID" sz="6000" dirty="0">
-                <a:solidFill>
-                  <a:srgbClr val="FFFF00"/>
-                </a:solidFill>
-                <a:latin typeface="Arial Black" panose="020B0A04020102020204" pitchFamily="34" charset="0"/>
-              </a:rPr>
-              <a:t> </a:t>
-            </a:r>
-            <a:r>
-              <a:rPr lang="en-ID" sz="6000" dirty="0" err="1">
-                <a:solidFill>
-                  <a:srgbClr val="FFFF00"/>
-                </a:solidFill>
-                <a:latin typeface="Arial Black" panose="020B0A04020102020204" pitchFamily="34" charset="0"/>
-              </a:rPr>
-              <a:t>Prefasi</a:t>
-            </a:r>
-            <a:endParaRPr lang="en-US" sz="6000" dirty="0">
-              <a:solidFill>
-                <a:srgbClr val="FFFF00"/>
-              </a:solidFill>
-              <a:latin typeface="Arial Black" panose="020B0A04020102020204" pitchFamily="34" charset="0"/>
-            </a:endParaRPr>
-          </a:p>
-        </p:txBody>
-      </p:sp>
-      <p:sp>
-        <p:nvSpPr>
           <p:cNvPr id="3" name="Content Placeholder 2"/>
           <p:cNvSpPr>
             <a:spLocks noGrp="1"/>
@@ -12729,8 +12949,11 @@
           </a:bodyPr>
           <a:lstStyle/>
           <a:p>
-            <a:pPr marL="0" indent="0">
-              <a:buNone/>
+            <a:pPr marL="1338263" indent="-1338263">
+              <a:buNone/>
+              <a:tabLst>
+                <a:tab pos="901700" algn="l"/>
+              </a:tabLst>
             </a:pPr>
             <a:r>
               <a:rPr lang="id-ID" sz="6000" dirty="0">
@@ -12767,8 +12990,11 @@
             </a:endParaRPr>
           </a:p>
           <a:p>
-            <a:pPr marL="0" indent="0">
-              <a:buNone/>
+            <a:pPr marL="1338263" indent="-1338263">
+              <a:buNone/>
+              <a:tabLst>
+                <a:tab pos="901700" algn="l"/>
+              </a:tabLst>
             </a:pPr>
             <a:r>
               <a:rPr lang="id-ID" sz="6000" b="1" dirty="0">
@@ -12795,7 +13021,25 @@
                 </a:solidFill>
                 <a:latin typeface="Arial Black" panose="020B0A04020102020204" pitchFamily="34" charset="0"/>
               </a:rPr>
-              <a:t>Parantos munggah ka lenggah Pangeran. </a:t>
+              <a:t>Parantos munggah ka lenggah </a:t>
+            </a:r>
+            <a:r>
+              <a:rPr lang="id-ID" sz="6000" b="1" dirty="0" smtClean="0">
+                <a:solidFill>
+                  <a:srgbClr val="FFFF00"/>
+                </a:solidFill>
+                <a:latin typeface="Arial Black" panose="020B0A04020102020204" pitchFamily="34" charset="0"/>
+              </a:rPr>
+              <a:t>Pangèran</a:t>
+            </a:r>
+            <a:r>
+              <a:rPr lang="id-ID" sz="6000" b="1" dirty="0">
+                <a:solidFill>
+                  <a:srgbClr val="FFFF00"/>
+                </a:solidFill>
+                <a:latin typeface="Arial Black" panose="020B0A04020102020204" pitchFamily="34" charset="0"/>
+              </a:rPr>
+              <a:t>. </a:t>
             </a:r>
             <a:endParaRPr lang="en-US" sz="6000" dirty="0">
               <a:solidFill>
@@ -12868,11 +13112,14 @@
           </a:bodyPr>
           <a:lstStyle/>
           <a:p>
-            <a:pPr marL="0" indent="0">
-              <a:buNone/>
+            <a:pPr marL="1338263" indent="-1338263">
+              <a:buNone/>
+              <a:tabLst>
+                <a:tab pos="808038" algn="l"/>
+              </a:tabLst>
             </a:pPr>
             <a:r>
-              <a:rPr lang="id-ID" sz="6000" dirty="0">
+              <a:rPr lang="id-ID" sz="6000" dirty="0" smtClean="0">
                 <a:solidFill>
                   <a:srgbClr val="FFFF00"/>
                 </a:solidFill>
@@ -12881,13 +13128,13 @@
               <a:t>I</a:t>
             </a:r>
             <a:r>
-              <a:rPr lang="en-ID" sz="6000" dirty="0">
-                <a:solidFill>
-                  <a:srgbClr val="FFFF00"/>
-                </a:solidFill>
-                <a:latin typeface="Arial Black" panose="020B0A04020102020204" pitchFamily="34" charset="0"/>
-              </a:rPr>
-              <a:t> : </a:t>
+              <a:rPr lang="en-ID" sz="6000" dirty="0" smtClean="0">
+                <a:solidFill>
+                  <a:srgbClr val="FFFF00"/>
+                </a:solidFill>
+                <a:latin typeface="Arial Black" panose="020B0A04020102020204" pitchFamily="34" charset="0"/>
+              </a:rPr>
+              <a:t>	: </a:t>
             </a:r>
             <a:r>
               <a:rPr lang="id-ID" sz="6000" dirty="0">
@@ -12906,8 +13153,11 @@
             </a:endParaRPr>
           </a:p>
           <a:p>
-            <a:pPr marL="0" indent="0">
-              <a:buNone/>
+            <a:pPr marL="1338263" indent="-1338263">
+              <a:buNone/>
+              <a:tabLst>
+                <a:tab pos="808038" algn="l"/>
+              </a:tabLst>
             </a:pPr>
             <a:r>
               <a:rPr lang="id-ID" sz="6000" b="1" dirty="0">
@@ -13009,7 +13259,7 @@
             <a:r>
               <a:rPr lang="en-ID" sz="6000" dirty="0" err="1">
                 <a:solidFill>
-                  <a:srgbClr val="FFFF00"/>
+                  <a:srgbClr val="FFC000"/>
                 </a:solidFill>
                 <a:latin typeface="Arial Black" panose="020B0A04020102020204" pitchFamily="34" charset="0"/>
               </a:rPr>
@@ -13018,7 +13268,7 @@
             <a:r>
               <a:rPr lang="en-ID" sz="6000" dirty="0">
                 <a:solidFill>
-                  <a:srgbClr val="FFFF00"/>
+                  <a:srgbClr val="FFC000"/>
                 </a:solidFill>
                 <a:latin typeface="Arial Black" panose="020B0A04020102020204" pitchFamily="34" charset="0"/>
               </a:rPr>
@@ -13027,7 +13277,7 @@
             <a:r>
               <a:rPr lang="en-ID" sz="6000" dirty="0" err="1">
                 <a:solidFill>
-                  <a:srgbClr val="FFFF00"/>
+                  <a:srgbClr val="FFC000"/>
                 </a:solidFill>
                 <a:latin typeface="Arial Black" panose="020B0A04020102020204" pitchFamily="34" charset="0"/>
               </a:rPr>
@@ -13035,7 +13285,7 @@
             </a:r>
             <a:endParaRPr lang="en-US" sz="6000" dirty="0">
               <a:solidFill>
-                <a:srgbClr val="FFFF00"/>
+                <a:srgbClr val="FFC000"/>
               </a:solidFill>
               <a:latin typeface="Arial Black" panose="020B0A04020102020204" pitchFamily="34" charset="0"/>
             </a:endParaRPr>
@@ -13054,8 +13304,8 @@
         </p:nvSpPr>
         <p:spPr>
           <a:xfrm>
-            <a:off x="503582" y="1742037"/>
-            <a:ext cx="11184834" cy="4195481"/>
+            <a:off x="503582" y="1431235"/>
+            <a:ext cx="11184834" cy="4890052"/>
           </a:xfrm>
         </p:spPr>
         <p:txBody>
@@ -13074,7 +13324,43 @@
                 </a:solidFill>
                 <a:latin typeface="Arial Black" panose="020B0A04020102020204" pitchFamily="34" charset="0"/>
               </a:rPr>
-              <a:t>Suci, suci, yaktos suci Pangeran, Allah nu murbawisesa. Sawarga sareng dunya pinuh ku</a:t>
+              <a:t>Suci, suci, yaktos suci </a:t>
+            </a:r>
+            <a:r>
+              <a:rPr lang="id-ID" sz="6000" b="1" dirty="0" smtClean="0">
+                <a:solidFill>
+                  <a:srgbClr val="FFFF00"/>
+                </a:solidFill>
+                <a:latin typeface="Arial Black" panose="020B0A04020102020204" pitchFamily="34" charset="0"/>
+              </a:rPr>
+              <a:t>Pangèran</a:t>
+            </a:r>
+            <a:r>
+              <a:rPr lang="id-ID" sz="6000" b="1" dirty="0">
+                <a:solidFill>
+                  <a:srgbClr val="FFFF00"/>
+                </a:solidFill>
+                <a:latin typeface="Arial Black" panose="020B0A04020102020204" pitchFamily="34" charset="0"/>
+              </a:rPr>
+              <a:t>, Allah nu </a:t>
+            </a:r>
+            <a:r>
+              <a:rPr lang="id-ID" sz="6000" b="1" dirty="0" smtClean="0">
+                <a:solidFill>
+                  <a:srgbClr val="FFFF00"/>
+                </a:solidFill>
+                <a:latin typeface="Arial Black" panose="020B0A04020102020204" pitchFamily="34" charset="0"/>
+              </a:rPr>
+              <a:t>murbawisèsa</a:t>
+            </a:r>
+            <a:r>
+              <a:rPr lang="id-ID" sz="6000" b="1" dirty="0">
+                <a:solidFill>
+                  <a:srgbClr val="FFFF00"/>
+                </a:solidFill>
+                <a:latin typeface="Arial Black" panose="020B0A04020102020204" pitchFamily="34" charset="0"/>
+              </a:rPr>
+              <a:t>. Sawarga sareng dunya pinuh ku</a:t>
             </a:r>
             <a:r>
               <a:rPr lang="en-ID" sz="6000" b="1" dirty="0">
@@ -13227,7 +13513,65 @@
                 </a:solidFill>
                 <a:latin typeface="Arial Black" panose="020B0A04020102020204" pitchFamily="34" charset="0"/>
               </a:rPr>
-              <a:t> nu sumping kalayan asmana Pangeran. Hosanna nu di manggung. </a:t>
+              <a:t> nu sumping kalayan </a:t>
+            </a:r>
+            <a:endParaRPr lang="en-ID" sz="6000" b="1" dirty="0" smtClean="0">
+              <a:solidFill>
+                <a:srgbClr val="FFFF00"/>
+              </a:solidFill>
+              <a:latin typeface="Arial Black" panose="020B0A04020102020204" pitchFamily="34" charset="0"/>
+            </a:endParaRPr>
+          </a:p>
+          <a:p>
+            <a:pPr marL="0" indent="0" algn="ctr">
+              <a:buNone/>
+            </a:pPr>
+            <a:r>
+              <a:rPr lang="id-ID" sz="6000" b="1" dirty="0" smtClean="0">
+                <a:solidFill>
+                  <a:srgbClr val="FFFF00"/>
+                </a:solidFill>
+                <a:latin typeface="Arial Black" panose="020B0A04020102020204" pitchFamily="34" charset="0"/>
+              </a:rPr>
+              <a:t>asmana Pangèran</a:t>
+            </a:r>
+            <a:r>
+              <a:rPr lang="id-ID" sz="6000" b="1" dirty="0">
+                <a:solidFill>
+                  <a:srgbClr val="FFFF00"/>
+                </a:solidFill>
+                <a:latin typeface="Arial Black" panose="020B0A04020102020204" pitchFamily="34" charset="0"/>
+              </a:rPr>
+              <a:t>. </a:t>
+            </a:r>
+            <a:endParaRPr lang="en-ID" sz="6000" b="1" dirty="0" smtClean="0">
+              <a:solidFill>
+                <a:srgbClr val="FFFF00"/>
+              </a:solidFill>
+              <a:latin typeface="Arial Black" panose="020B0A04020102020204" pitchFamily="34" charset="0"/>
+            </a:endParaRPr>
+          </a:p>
+          <a:p>
+            <a:pPr marL="0" indent="0" algn="ctr">
+              <a:buNone/>
+            </a:pPr>
+            <a:r>
+              <a:rPr lang="id-ID" sz="6000" b="1" dirty="0" smtClean="0">
+                <a:solidFill>
+                  <a:srgbClr val="FFFF00"/>
+                </a:solidFill>
+                <a:latin typeface="Arial Black" panose="020B0A04020102020204" pitchFamily="34" charset="0"/>
+              </a:rPr>
+              <a:t>Hosanna </a:t>
+            </a:r>
+            <a:r>
+              <a:rPr lang="id-ID" sz="6000" b="1" dirty="0">
+                <a:solidFill>
+                  <a:srgbClr val="FFFF00"/>
+                </a:solidFill>
+                <a:latin typeface="Arial Black" panose="020B0A04020102020204" pitchFamily="34" charset="0"/>
+              </a:rPr>
+              <a:t>nu di manggung. </a:t>
             </a:r>
             <a:endParaRPr lang="en-US" sz="6000" dirty="0">
               <a:solidFill>
@@ -13291,17 +13635,18 @@
         <p:spPr>
           <a:xfrm>
             <a:off x="1141413" y="291552"/>
-            <a:ext cx="10692778" cy="1243648"/>
+            <a:ext cx="9672361" cy="1243648"/>
           </a:xfrm>
         </p:spPr>
         <p:txBody>
           <a:bodyPr/>
           <a:lstStyle/>
           <a:p>
+            <a:pPr algn="ctr"/>
             <a:r>
               <a:rPr lang="en-ID" sz="6000" dirty="0" err="1">
                 <a:solidFill>
-                  <a:srgbClr val="FFFF00"/>
+                  <a:srgbClr val="FFC000"/>
                 </a:solidFill>
                 <a:latin typeface="Arial Black" panose="020B0A04020102020204" pitchFamily="34" charset="0"/>
               </a:rPr>
@@ -13310,7 +13655,7 @@
             <a:r>
               <a:rPr lang="en-ID" sz="6000" dirty="0">
                 <a:solidFill>
-                  <a:srgbClr val="FFFF00"/>
+                  <a:srgbClr val="FFC000"/>
                 </a:solidFill>
                 <a:latin typeface="Arial Black" panose="020B0A04020102020204" pitchFamily="34" charset="0"/>
               </a:rPr>
@@ -13319,7 +13664,7 @@
             <a:r>
               <a:rPr lang="en-ID" sz="6000" dirty="0" err="1">
                 <a:solidFill>
-                  <a:srgbClr val="FFFF00"/>
+                  <a:srgbClr val="FFC000"/>
                 </a:solidFill>
                 <a:latin typeface="Arial Black" panose="020B0A04020102020204" pitchFamily="34" charset="0"/>
               </a:rPr>
@@ -13327,7 +13672,7 @@
             </a:r>
             <a:endParaRPr lang="en-US" sz="6000" dirty="0">
               <a:solidFill>
-                <a:srgbClr val="FFFF00"/>
+                <a:srgbClr val="FFC000"/>
               </a:solidFill>
               <a:latin typeface="Arial Black" panose="020B0A04020102020204" pitchFamily="34" charset="0"/>
             </a:endParaRPr>
@@ -13477,7 +13822,7 @@
             <a:r>
               <a:rPr lang="en-ID" sz="6000" dirty="0" err="1">
                 <a:solidFill>
-                  <a:srgbClr val="FFFF00"/>
+                  <a:srgbClr val="FFC000"/>
                 </a:solidFill>
                 <a:latin typeface="Arial Black" panose="020B0A04020102020204" pitchFamily="34" charset="0"/>
               </a:rPr>
@@ -13486,7 +13831,7 @@
             <a:r>
               <a:rPr lang="en-ID" sz="6000" dirty="0">
                 <a:solidFill>
-                  <a:srgbClr val="FFFF00"/>
+                  <a:srgbClr val="FFC000"/>
                 </a:solidFill>
                 <a:latin typeface="Arial Black" panose="020B0A04020102020204" pitchFamily="34" charset="0"/>
               </a:rPr>
@@ -13495,7 +13840,7 @@
             <a:r>
               <a:rPr lang="en-ID" sz="6000" dirty="0" err="1">
                 <a:solidFill>
-                  <a:srgbClr val="FFFF00"/>
+                  <a:srgbClr val="FFC000"/>
                 </a:solidFill>
                 <a:latin typeface="Arial Black" panose="020B0A04020102020204" pitchFamily="34" charset="0"/>
               </a:rPr>
@@ -13504,7 +13849,7 @@
             <a:r>
               <a:rPr lang="en-ID" sz="6000" dirty="0">
                 <a:solidFill>
-                  <a:srgbClr val="FFFF00"/>
+                  <a:srgbClr val="FFC000"/>
                 </a:solidFill>
                 <a:latin typeface="Arial Black" panose="020B0A04020102020204" pitchFamily="34" charset="0"/>
               </a:rPr>
@@ -13512,7 +13857,7 @@
             </a:r>
             <a:endParaRPr lang="en-US" sz="6000" dirty="0">
               <a:solidFill>
-                <a:srgbClr val="FFFF00"/>
+                <a:srgbClr val="FFC000"/>
               </a:solidFill>
               <a:latin typeface="Arial Black" panose="020B0A04020102020204" pitchFamily="34" charset="0"/>
             </a:endParaRPr>
@@ -13793,7 +14138,7 @@
             <a:r>
               <a:rPr lang="en-ID" sz="6000" dirty="0" err="1">
                 <a:solidFill>
-                  <a:srgbClr val="FFFF00"/>
+                  <a:srgbClr val="FFC000"/>
                 </a:solidFill>
                 <a:latin typeface="Arial Black" panose="020B0A04020102020204" pitchFamily="34" charset="0"/>
               </a:rPr>
@@ -13802,7 +14147,7 @@
             <a:r>
               <a:rPr lang="en-ID" sz="6000" dirty="0">
                 <a:solidFill>
-                  <a:srgbClr val="FFFF00"/>
+                  <a:srgbClr val="FFC000"/>
                 </a:solidFill>
                 <a:latin typeface="Arial Black" panose="020B0A04020102020204" pitchFamily="34" charset="0"/>
               </a:rPr>
@@ -13811,7 +14156,7 @@
             <a:r>
               <a:rPr lang="en-ID" sz="6000" dirty="0" err="1">
                 <a:solidFill>
-                  <a:srgbClr val="FFFF00"/>
+                  <a:srgbClr val="FFC000"/>
                 </a:solidFill>
                 <a:latin typeface="Arial Black" panose="020B0A04020102020204" pitchFamily="34" charset="0"/>
               </a:rPr>
@@ -13820,7 +14165,7 @@
             <a:r>
               <a:rPr lang="en-ID" sz="6000" dirty="0">
                 <a:solidFill>
-                  <a:srgbClr val="FFFF00"/>
+                  <a:srgbClr val="FFC000"/>
                 </a:solidFill>
                 <a:latin typeface="Arial Black" panose="020B0A04020102020204" pitchFamily="34" charset="0"/>
               </a:rPr>
@@ -13829,7 +14174,7 @@
             <a:r>
               <a:rPr lang="en-ID" sz="6000" dirty="0" err="1">
                 <a:solidFill>
-                  <a:srgbClr val="FFFF00"/>
+                  <a:srgbClr val="FFC000"/>
                 </a:solidFill>
                 <a:latin typeface="Arial Black" panose="020B0A04020102020204" pitchFamily="34" charset="0"/>
               </a:rPr>
@@ -13837,7 +14182,7 @@
             </a:r>
             <a:endParaRPr lang="en-US" sz="6000" dirty="0">
               <a:solidFill>
-                <a:srgbClr val="FFFF00"/>
+                <a:srgbClr val="FFC000"/>
               </a:solidFill>
               <a:latin typeface="Arial Black" panose="020B0A04020102020204" pitchFamily="34" charset="0"/>
             </a:endParaRPr>
@@ -14042,8 +14387,8 @@
         </p:nvSpPr>
         <p:spPr>
           <a:xfrm>
-            <a:off x="1545507" y="2008571"/>
-            <a:ext cx="9458793" cy="3094383"/>
+            <a:off x="675861" y="2008571"/>
+            <a:ext cx="10328440" cy="4113933"/>
           </a:xfrm>
         </p:spPr>
         <p:txBody>
@@ -14056,7 +14401,7 @@
               <a:buNone/>
             </a:pPr>
             <a:r>
-              <a:rPr lang="sv-SE" sz="4800" dirty="0" smtClean="0">
+              <a:rPr lang="sv-SE" sz="5400" dirty="0" smtClean="0">
                 <a:solidFill>
                   <a:srgbClr val="FFFF00"/>
                 </a:solidFill>
@@ -14064,10 +14409,10 @@
                 <a:ea typeface="Calibri" panose="020F0502020204030204" pitchFamily="34" charset="0"/>
                 <a:cs typeface="Times New Roman" panose="02020603050405020304" pitchFamily="18" charset="0"/>
               </a:rPr>
-              <a:t>Manga </a:t>
-            </a:r>
-            <a:r>
-              <a:rPr lang="sv-SE" sz="4800" dirty="0">
+              <a:t>Mangga </a:t>
+            </a:r>
+            <a:r>
+              <a:rPr lang="sv-SE" sz="5400" dirty="0">
                 <a:solidFill>
                   <a:srgbClr val="FFFF00"/>
                 </a:solidFill>
@@ -14075,15 +14420,10 @@
                 <a:ea typeface="Calibri" panose="020F0502020204030204" pitchFamily="34" charset="0"/>
                 <a:cs typeface="Times New Roman" panose="02020603050405020304" pitchFamily="18" charset="0"/>
               </a:rPr>
-              <a:t>lungsur Immanuel</a:t>
-            </a:r>
-          </a:p>
-          <a:p>
-            <a:pPr marL="0" indent="0">
-              <a:buNone/>
-            </a:pPr>
-            <a:r>
-              <a:rPr lang="sv-SE" sz="4800" dirty="0" smtClean="0">
+              <a:t>lungsur </a:t>
+            </a:r>
+            <a:r>
+              <a:rPr lang="sv-SE" sz="5400" dirty="0">
                 <a:solidFill>
                   <a:srgbClr val="FFFF00"/>
                 </a:solidFill>
@@ -14091,10 +14431,23 @@
                 <a:ea typeface="Calibri" panose="020F0502020204030204" pitchFamily="34" charset="0"/>
                 <a:cs typeface="Times New Roman" panose="02020603050405020304" pitchFamily="18" charset="0"/>
               </a:rPr>
-              <a:t>Lilipur </a:t>
-            </a:r>
-            <a:r>
-              <a:rPr lang="sv-SE" sz="4800" dirty="0">
+              <a:t>Èmmanuel</a:t>
+            </a:r>
+            <a:endParaRPr lang="sv-SE" sz="5400" dirty="0">
+              <a:solidFill>
+                <a:srgbClr val="FFFF00"/>
+              </a:solidFill>
+              <a:latin typeface="Arial Black" panose="020B0A04020102020204" pitchFamily="34" charset="0"/>
+              <a:ea typeface="Calibri" panose="020F0502020204030204" pitchFamily="34" charset="0"/>
+              <a:cs typeface="Times New Roman" panose="02020603050405020304" pitchFamily="18" charset="0"/>
+            </a:endParaRPr>
+          </a:p>
+          <a:p>
+            <a:pPr marL="0" indent="0">
+              <a:buNone/>
+            </a:pPr>
+            <a:r>
+              <a:rPr lang="sv-SE" sz="5400" dirty="0" smtClean="0">
                 <a:solidFill>
                   <a:srgbClr val="FFFF00"/>
                 </a:solidFill>
@@ -14102,15 +14455,10 @@
                 <a:ea typeface="Calibri" panose="020F0502020204030204" pitchFamily="34" charset="0"/>
                 <a:cs typeface="Times New Roman" panose="02020603050405020304" pitchFamily="18" charset="0"/>
               </a:rPr>
-              <a:t>umat manusa</a:t>
-            </a:r>
-          </a:p>
-          <a:p>
-            <a:pPr marL="0" indent="0">
-              <a:buNone/>
-            </a:pPr>
-            <a:r>
-              <a:rPr lang="sv-SE" sz="4800" dirty="0" smtClean="0">
+              <a:t>Lilipur </a:t>
+            </a:r>
+            <a:r>
+              <a:rPr lang="sv-SE" sz="5400" dirty="0">
                 <a:solidFill>
                   <a:srgbClr val="FFFF00"/>
                 </a:solidFill>
@@ -14118,10 +14466,15 @@
                 <a:ea typeface="Calibri" panose="020F0502020204030204" pitchFamily="34" charset="0"/>
                 <a:cs typeface="Times New Roman" panose="02020603050405020304" pitchFamily="18" charset="0"/>
               </a:rPr>
-              <a:t>Enggal </a:t>
-            </a:r>
-            <a:r>
-              <a:rPr lang="sv-SE" sz="4800" dirty="0">
+              <a:t>umat manusa</a:t>
+            </a:r>
+          </a:p>
+          <a:p>
+            <a:pPr marL="0" indent="0">
+              <a:buNone/>
+            </a:pPr>
+            <a:r>
+              <a:rPr lang="sv-SE" sz="5400" dirty="0">
                 <a:solidFill>
                   <a:srgbClr val="FFFF00"/>
                 </a:solidFill>
@@ -14129,15 +14482,10 @@
                 <a:ea typeface="Calibri" panose="020F0502020204030204" pitchFamily="34" charset="0"/>
                 <a:cs typeface="Times New Roman" panose="02020603050405020304" pitchFamily="18" charset="0"/>
               </a:rPr>
-              <a:t>lungsur, Immanuel</a:t>
-            </a:r>
-          </a:p>
-          <a:p>
-            <a:pPr marL="0" indent="0">
-              <a:buNone/>
-            </a:pPr>
-            <a:r>
-              <a:rPr lang="sv-SE" sz="4800" dirty="0" smtClean="0">
+              <a:t>È</a:t>
+            </a:r>
+            <a:r>
+              <a:rPr lang="sv-SE" sz="5400" dirty="0" smtClean="0">
                 <a:solidFill>
                   <a:srgbClr val="FFFF00"/>
                 </a:solidFill>
@@ -14145,10 +14493,10 @@
                 <a:ea typeface="Calibri" panose="020F0502020204030204" pitchFamily="34" charset="0"/>
                 <a:cs typeface="Times New Roman" panose="02020603050405020304" pitchFamily="18" charset="0"/>
               </a:rPr>
-              <a:t>Lilipur </a:t>
-            </a:r>
-            <a:r>
-              <a:rPr lang="sv-SE" sz="4800" dirty="0">
+              <a:t>nggal </a:t>
+            </a:r>
+            <a:r>
+              <a:rPr lang="sv-SE" sz="5400" dirty="0">
                 <a:solidFill>
                   <a:srgbClr val="FFFF00"/>
                 </a:solidFill>
@@ -14156,6 +14504,52 @@
                 <a:ea typeface="Calibri" panose="020F0502020204030204" pitchFamily="34" charset="0"/>
                 <a:cs typeface="Times New Roman" panose="02020603050405020304" pitchFamily="18" charset="0"/>
               </a:rPr>
+              <a:t>lungsur, </a:t>
+            </a:r>
+            <a:r>
+              <a:rPr lang="sv-SE" sz="5400" dirty="0">
+                <a:solidFill>
+                  <a:srgbClr val="FFFF00"/>
+                </a:solidFill>
+                <a:latin typeface="Arial Black" panose="020B0A04020102020204" pitchFamily="34" charset="0"/>
+                <a:ea typeface="Calibri" panose="020F0502020204030204" pitchFamily="34" charset="0"/>
+                <a:cs typeface="Times New Roman" panose="02020603050405020304" pitchFamily="18" charset="0"/>
+              </a:rPr>
+              <a:t>Èmmanuel</a:t>
+            </a:r>
+            <a:endParaRPr lang="sv-SE" sz="5400" dirty="0">
+              <a:solidFill>
+                <a:srgbClr val="FFFF00"/>
+              </a:solidFill>
+              <a:latin typeface="Arial Black" panose="020B0A04020102020204" pitchFamily="34" charset="0"/>
+              <a:ea typeface="Calibri" panose="020F0502020204030204" pitchFamily="34" charset="0"/>
+              <a:cs typeface="Times New Roman" panose="02020603050405020304" pitchFamily="18" charset="0"/>
+            </a:endParaRPr>
+          </a:p>
+          <a:p>
+            <a:pPr marL="0" indent="0">
+              <a:buNone/>
+            </a:pPr>
+            <a:r>
+              <a:rPr lang="sv-SE" sz="5400" dirty="0" smtClean="0">
+                <a:solidFill>
+                  <a:srgbClr val="FFFF00"/>
+                </a:solidFill>
+                <a:latin typeface="Arial Black" panose="020B0A04020102020204" pitchFamily="34" charset="0"/>
+                <a:ea typeface="Calibri" panose="020F0502020204030204" pitchFamily="34" charset="0"/>
+                <a:cs typeface="Times New Roman" panose="02020603050405020304" pitchFamily="18" charset="0"/>
+              </a:rPr>
+              <a:t>Lilipur </a:t>
+            </a:r>
+            <a:r>
+              <a:rPr lang="sv-SE" sz="5400" dirty="0">
+                <a:solidFill>
+                  <a:srgbClr val="FFFF00"/>
+                </a:solidFill>
+                <a:latin typeface="Arial Black" panose="020B0A04020102020204" pitchFamily="34" charset="0"/>
+                <a:ea typeface="Calibri" panose="020F0502020204030204" pitchFamily="34" charset="0"/>
+                <a:cs typeface="Times New Roman" panose="02020603050405020304" pitchFamily="18" charset="0"/>
+              </a:rPr>
               <a:t>abdi sadaya</a:t>
             </a:r>
           </a:p>
@@ -14163,7 +14557,7 @@
             <a:pPr marL="0" indent="0">
               <a:buNone/>
             </a:pPr>
-            <a:endParaRPr lang="sv-SE" sz="4800" dirty="0">
+            <a:endParaRPr lang="sv-SE" sz="5400" dirty="0">
               <a:solidFill>
                 <a:srgbClr val="FFFF00"/>
               </a:solidFill>
@@ -14579,7 +14973,7 @@
     </p:spTree>
     <p:extLst>
       <p:ext uri="{BB962C8B-B14F-4D97-AF65-F5344CB8AC3E}">
-        <p14:creationId xmlns:p14="http://schemas.microsoft.com/office/powerpoint/2010/main" val="3284126189"/>
+        <p14:creationId xmlns:p14="http://schemas.microsoft.com/office/powerpoint/2010/main" val="717777706"/>
       </p:ext>
     </p:extLst>
   </p:cSld>
@@ -15020,9 +15414,9 @@
           </a:lstStyle>
           <a:p>
             <a:r>
-              <a:rPr lang="en-US" sz="4800" b="1" smtClean="0">
-                <a:solidFill>
-                  <a:srgbClr val="FFFF00"/>
+              <a:rPr lang="en-US" sz="4800" b="1" dirty="0" smtClean="0">
+                <a:solidFill>
+                  <a:srgbClr val="FFC000"/>
                 </a:solidFill>
                 <a:latin typeface="Arial Black" panose="020B0A04020102020204" pitchFamily="34" charset="0"/>
               </a:rPr>
@@ -15030,7 +15424,7 @@
             </a:r>
             <a:endParaRPr lang="en-US" sz="4800" dirty="0">
               <a:solidFill>
-                <a:srgbClr val="FFFF00"/>
+                <a:srgbClr val="FFC000"/>
               </a:solidFill>
               <a:latin typeface="Arial Black" panose="020B0A04020102020204" pitchFamily="34" charset="0"/>
             </a:endParaRPr>
@@ -16662,7 +17056,7 @@
             <a:r>
               <a:rPr lang="en-ID" sz="5400" dirty="0" smtClean="0">
                 <a:solidFill>
-                  <a:srgbClr val="FFFF00"/>
+                  <a:srgbClr val="FFC000"/>
                 </a:solidFill>
                 <a:latin typeface="Arial Black" panose="020B0A04020102020204" pitchFamily="34" charset="0"/>
               </a:rPr>
@@ -16671,7 +17065,7 @@
             <a:r>
               <a:rPr lang="en-ID" sz="5400" dirty="0" err="1" smtClean="0">
                 <a:solidFill>
-                  <a:srgbClr val="FFFF00"/>
+                  <a:srgbClr val="FFC000"/>
                 </a:solidFill>
                 <a:latin typeface="Arial Black" panose="020B0A04020102020204" pitchFamily="34" charset="0"/>
               </a:rPr>
@@ -16680,7 +17074,7 @@
             <a:r>
               <a:rPr lang="en-ID" sz="5400" dirty="0" smtClean="0">
                 <a:solidFill>
-                  <a:srgbClr val="FFFF00"/>
+                  <a:srgbClr val="FFC000"/>
                 </a:solidFill>
                 <a:latin typeface="Arial Black" panose="020B0A04020102020204" pitchFamily="34" charset="0"/>
               </a:rPr>
@@ -16688,7 +17082,7 @@
             </a:r>
             <a:endParaRPr lang="en-US" sz="5400" dirty="0">
               <a:solidFill>
-                <a:srgbClr val="FFFF00"/>
+                <a:srgbClr val="FFC000"/>
               </a:solidFill>
               <a:latin typeface="Arial Black" panose="020B0A04020102020204" pitchFamily="34" charset="0"/>
             </a:endParaRPr>
@@ -17553,7 +17947,7 @@
             <a:r>
               <a:rPr lang="en-ID" sz="6000" dirty="0" err="1">
                 <a:solidFill>
-                  <a:srgbClr val="FFFF00"/>
+                  <a:srgbClr val="FFC000"/>
                 </a:solidFill>
                 <a:latin typeface="Arial Black" panose="020B0A04020102020204" pitchFamily="34" charset="0"/>
               </a:rPr>
@@ -17562,7 +17956,7 @@
             <a:r>
               <a:rPr lang="en-ID" sz="6000" dirty="0">
                 <a:solidFill>
-                  <a:srgbClr val="FFFF00"/>
+                  <a:srgbClr val="FFC000"/>
                 </a:solidFill>
                 <a:latin typeface="Arial Black" panose="020B0A04020102020204" pitchFamily="34" charset="0"/>
               </a:rPr>
@@ -17571,7 +17965,7 @@
             <a:r>
               <a:rPr lang="en-ID" sz="6000" dirty="0" err="1">
                 <a:solidFill>
-                  <a:srgbClr val="FFFF00"/>
+                  <a:srgbClr val="FFC000"/>
                 </a:solidFill>
                 <a:latin typeface="Arial Black" panose="020B0A04020102020204" pitchFamily="34" charset="0"/>
               </a:rPr>
@@ -17579,7 +17973,7 @@
             </a:r>
             <a:endParaRPr lang="en-US" sz="6000" dirty="0">
               <a:solidFill>
-                <a:srgbClr val="FFFF00"/>
+                <a:srgbClr val="FFC000"/>
               </a:solidFill>
               <a:latin typeface="Arial Black" panose="020B0A04020102020204" pitchFamily="34" charset="0"/>
             </a:endParaRPr>
@@ -17715,13 +18109,22 @@
               <a:buNone/>
             </a:pPr>
             <a:r>
+              <a:rPr lang="id-ID" sz="6000" b="1" dirty="0" smtClean="0">
+                <a:solidFill>
+                  <a:srgbClr val="FFFF00"/>
+                </a:solidFill>
+                <a:latin typeface="Arial Black" panose="020B0A04020102020204" pitchFamily="34" charset="0"/>
+              </a:rPr>
+              <a:t>yén </a:t>
+            </a:r>
+            <a:r>
               <a:rPr lang="id-ID" sz="6000" b="1" dirty="0">
                 <a:solidFill>
                   <a:srgbClr val="FFFF00"/>
                 </a:solidFill>
                 <a:latin typeface="Arial Black" panose="020B0A04020102020204" pitchFamily="34" charset="0"/>
               </a:rPr>
-              <a:t>yén abdi tos milampah dosa, dina pikiran sareng cariosan, dina naon nu tos dipilampah sareng nu teu kapilampah  </a:t>
+              <a:t>abdi tos milampah dosa, dina pikiran sareng cariosan, dina naon nu tos dipilampah sareng nu teu kapilampah  </a:t>
             </a:r>
             <a:endParaRPr lang="en-US" sz="6000" dirty="0">
               <a:solidFill>
@@ -17942,7 +18345,7 @@
 <file path=ppt/theme/theme1.xml><?xml version="1.0" encoding="utf-8"?>
 <a:theme xmlns:a="http://schemas.openxmlformats.org/drawingml/2006/main" name="Ion">
   <a:themeElements>
-    <a:clrScheme name="Orange Red">
+    <a:clrScheme name="Ion">
       <a:dk1>
         <a:sysClr val="windowText" lastClr="000000"/>
       </a:dk1>
@@ -17950,34 +18353,34 @@
         <a:sysClr val="window" lastClr="FFFFFF"/>
       </a:lt1>
       <a:dk2>
-        <a:srgbClr val="696464"/>
+        <a:srgbClr val="3B3059"/>
       </a:dk2>
       <a:lt2>
-        <a:srgbClr val="E9E5DC"/>
+        <a:srgbClr val="EBEBEB"/>
       </a:lt2>
       <a:accent1>
-        <a:srgbClr val="D34817"/>
+        <a:srgbClr val="B31166"/>
       </a:accent1>
       <a:accent2>
-        <a:srgbClr val="9B2D1F"/>
+        <a:srgbClr val="E33D6F"/>
       </a:accent2>
       <a:accent3>
-        <a:srgbClr val="A28E6A"/>
+        <a:srgbClr val="E45F3C"/>
       </a:accent3>
       <a:accent4>
-        <a:srgbClr val="956251"/>
+        <a:srgbClr val="E9943A"/>
       </a:accent4>
       <a:accent5>
-        <a:srgbClr val="918485"/>
+        <a:srgbClr val="9B6BF2"/>
       </a:accent5>
       <a:accent6>
-        <a:srgbClr val="855D5D"/>
+        <a:srgbClr val="D53DD0"/>
       </a:accent6>
       <a:hlink>
-        <a:srgbClr val="CC9900"/>
+        <a:srgbClr val="EC76B5"/>
       </a:hlink>
       <a:folHlink>
-        <a:srgbClr val="96A9A9"/>
+        <a:srgbClr val="E8ACCD"/>
       </a:folHlink>
     </a:clrScheme>
     <a:fontScheme name="Ion">
@@ -18154,9 +18557,9 @@
             <a:gs pos="0">
               <a:schemeClr val="phClr">
                 <a:tint val="98000"/>
-                <a:hueMod val="104000"/>
-                <a:satMod val="128000"/>
-                <a:lumMod val="104000"/>
+                <a:hueMod val="124000"/>
+                <a:satMod val="148000"/>
+                <a:lumMod val="124000"/>
               </a:schemeClr>
             </a:gs>
             <a:gs pos="100000">
@@ -18164,7 +18567,7 @@
                 <a:shade val="76000"/>
                 <a:hueMod val="89000"/>
                 <a:satMod val="164000"/>
-                <a:lumMod val="68000"/>
+                <a:lumMod val="56000"/>
               </a:schemeClr>
             </a:gs>
           </a:gsLst>
@@ -18176,14 +18579,15 @@
           <a:blip xmlns:r="http://schemas.openxmlformats.org/officeDocument/2006/relationships" r:embed="rId1">
             <a:duotone>
               <a:schemeClr val="phClr">
-                <a:shade val="42000"/>
-                <a:hueMod val="42000"/>
-                <a:satMod val="124000"/>
-                <a:lumMod val="62000"/>
+                <a:shade val="69000"/>
+                <a:hueMod val="91000"/>
+                <a:satMod val="164000"/>
+                <a:lumMod val="74000"/>
               </a:schemeClr>
               <a:schemeClr val="phClr">
-                <a:tint val="96000"/>
-                <a:satMod val="130000"/>
+                <a:hueMod val="124000"/>
+                <a:satMod val="140000"/>
+                <a:lumMod val="142000"/>
               </a:schemeClr>
             </a:duotone>
           </a:blip>
@@ -18196,7 +18600,7 @@
   <a:extraClrSchemeLst/>
   <a:extLst>
     <a:ext uri="{05A4C25C-085E-4340-85A3-A5531E510DB2}">
-      <thm15:themeFamily xmlns:thm15="http://schemas.microsoft.com/office/thememl/2012/main" name="Ion" id="{B8441ADB-2E43-4AF7-B97A-BD870242C6A8}" vid="{5A2F9111-B2DB-470C-BA56-608F9B658826}"/>
+      <thm15:themeFamily xmlns:thm15="http://schemas.microsoft.com/office/thememl/2012/main" name="Ion" id="{B8441ADB-2E43-4AF7-B97A-BD870242C6A8}" vid="{A207AED3-9ABC-4A18-9978-A59B65688B15}"/>
     </a:ext>
   </a:extLst>
 </a:theme>
